--- a/3_HA/High availability rešenja kod InfluxDB baze podataka.pptx
+++ b/3_HA/High availability rešenja kod InfluxDB baze podataka.pptx
@@ -5,18 +5,28 @@
     <p:sldMasterId id="2147483689" r:id="rId1"/>
   </p:sldMasterIdLst>
   <p:notesMasterIdLst>
-    <p:notesMasterId r:id="rId11"/>
+    <p:notesMasterId r:id="rId21"/>
   </p:notesMasterIdLst>
   <p:sldIdLst>
     <p:sldId id="256" r:id="rId2"/>
     <p:sldId id="259" r:id="rId3"/>
-    <p:sldId id="260" r:id="rId4"/>
-    <p:sldId id="264" r:id="rId5"/>
-    <p:sldId id="265" r:id="rId6"/>
-    <p:sldId id="261" r:id="rId7"/>
-    <p:sldId id="262" r:id="rId8"/>
-    <p:sldId id="267" r:id="rId9"/>
-    <p:sldId id="258" r:id="rId10"/>
+    <p:sldId id="267" r:id="rId4"/>
+    <p:sldId id="273" r:id="rId5"/>
+    <p:sldId id="268" r:id="rId6"/>
+    <p:sldId id="262" r:id="rId7"/>
+    <p:sldId id="269" r:id="rId8"/>
+    <p:sldId id="270" r:id="rId9"/>
+    <p:sldId id="271" r:id="rId10"/>
+    <p:sldId id="272" r:id="rId11"/>
+    <p:sldId id="277" r:id="rId12"/>
+    <p:sldId id="274" r:id="rId13"/>
+    <p:sldId id="275" r:id="rId14"/>
+    <p:sldId id="276" r:id="rId15"/>
+    <p:sldId id="278" r:id="rId16"/>
+    <p:sldId id="279" r:id="rId17"/>
+    <p:sldId id="280" r:id="rId18"/>
+    <p:sldId id="281" r:id="rId19"/>
+    <p:sldId id="258" r:id="rId20"/>
   </p:sldIdLst>
   <p:sldSz cx="12192000" cy="6858000"/>
   <p:notesSz cx="6858000" cy="9144000"/>
@@ -620,7 +630,7 @@
           <a:bodyPr/>
           <a:lstStyle/>
           <a:p>
-            <a:fld id="{9580050C-71E8-43F6-83D3-A31039D2A6F7}" type="slidenum">
+            <a:fld id="{F481AC43-B276-4CDC-BEE2-86FB9084E1C3}" type="slidenum">
               <a:rPr lang="sr-Latn-RS" smtClean="0"/>
               <a:t>3</a:t>
             </a:fld>
@@ -631,7 +641,7 @@
     </p:spTree>
     <p:extLst>
       <p:ext uri="{BB962C8B-B14F-4D97-AF65-F5344CB8AC3E}">
-        <p14:creationId xmlns:p14="http://schemas.microsoft.com/office/powerpoint/2010/main" val="1862527475"/>
+        <p14:creationId xmlns:p14="http://schemas.microsoft.com/office/powerpoint/2010/main" val="2771637012"/>
       </p:ext>
     </p:extLst>
   </p:cSld>
@@ -6704,6 +6714,1841 @@
 </p:sld>
 </file>
 
+<file path=ppt/slides/slide10.xml><?xml version="1.0" encoding="utf-8"?>
+<p:sld xmlns:a="http://schemas.openxmlformats.org/drawingml/2006/main" xmlns:r="http://schemas.openxmlformats.org/officeDocument/2006/relationships" xmlns:p="http://schemas.openxmlformats.org/presentationml/2006/main">
+  <p:cSld>
+    <p:spTree>
+      <p:nvGrpSpPr>
+        <p:cNvPr id="1" name=""/>
+        <p:cNvGrpSpPr/>
+        <p:nvPr/>
+      </p:nvGrpSpPr>
+      <p:grpSpPr>
+        <a:xfrm>
+          <a:off x="0" y="0"/>
+          <a:ext cx="0" cy="0"/>
+          <a:chOff x="0" y="0"/>
+          <a:chExt cx="0" cy="0"/>
+        </a:xfrm>
+      </p:grpSpPr>
+      <p:sp>
+        <p:nvSpPr>
+          <p:cNvPr id="2" name="Title 1">
+            <a:extLst>
+              <a:ext uri="{FF2B5EF4-FFF2-40B4-BE49-F238E27FC236}">
+                <a16:creationId xmlns:a16="http://schemas.microsoft.com/office/drawing/2014/main" id="{5F10F1D2-7223-C6F8-2976-6F53656D69C2}"/>
+              </a:ext>
+            </a:extLst>
+          </p:cNvPr>
+          <p:cNvSpPr>
+            <a:spLocks noGrp="1"/>
+          </p:cNvSpPr>
+          <p:nvPr>
+            <p:ph type="title"/>
+          </p:nvPr>
+        </p:nvSpPr>
+        <p:spPr/>
+        <p:txBody>
+          <a:bodyPr/>
+          <a:lstStyle/>
+          <a:p>
+            <a:r>
+              <a:rPr lang="sr-Latn-RS" dirty="0"/>
+              <a:t>High availability klaster</a:t>
+            </a:r>
+          </a:p>
+        </p:txBody>
+      </p:sp>
+      <p:sp>
+        <p:nvSpPr>
+          <p:cNvPr id="3" name="Content Placeholder 2">
+            <a:extLst>
+              <a:ext uri="{FF2B5EF4-FFF2-40B4-BE49-F238E27FC236}">
+                <a16:creationId xmlns:a16="http://schemas.microsoft.com/office/drawing/2014/main" id="{0B7B64A3-1BDA-04B1-AD08-D100C9AC5981}"/>
+              </a:ext>
+            </a:extLst>
+          </p:cNvPr>
+          <p:cNvSpPr>
+            <a:spLocks noGrp="1"/>
+          </p:cNvSpPr>
+          <p:nvPr>
+            <p:ph idx="1"/>
+          </p:nvPr>
+        </p:nvSpPr>
+        <p:spPr/>
+        <p:txBody>
+          <a:bodyPr/>
+          <a:lstStyle/>
+          <a:p>
+            <a:r>
+              <a:rPr lang="sr-Latn-RS" dirty="0"/>
+              <a:t>U osnovnom </a:t>
+            </a:r>
+            <a:r>
+              <a:rPr lang="sr-Latn-RS" b="1" dirty="0"/>
+              <a:t>HA (High Availability)</a:t>
+            </a:r>
+            <a:r>
+              <a:rPr lang="sr-Latn-RS" dirty="0"/>
+              <a:t> podešavanju:</a:t>
+            </a:r>
+          </a:p>
+          <a:p>
+            <a:endParaRPr lang="sr-Latn-RS" dirty="0"/>
+          </a:p>
+          <a:p>
+            <a:pPr lvl="0"/>
+            <a:r>
+              <a:rPr lang="sr-Latn-RS" dirty="0"/>
+              <a:t>Dva čvora istovremeno upisuju podatke u isto objektno skladište i oba obrađuju upite.</a:t>
+            </a:r>
+          </a:p>
+          <a:p>
+            <a:pPr lvl="0"/>
+            <a:r>
+              <a:rPr lang="sr-Latn-RS" dirty="0"/>
+              <a:t>Čvor 1 i Čvor 2 funkcionišu kao </a:t>
+            </a:r>
+            <a:r>
+              <a:rPr lang="sr-Latn-RS" b="1" dirty="0"/>
+              <a:t>read replica</a:t>
+            </a:r>
+            <a:r>
+              <a:rPr lang="sr-Latn-RS" dirty="0"/>
+              <a:t> instanci, pri čemu čitaju iz direktorijuma objektnog skladišta jedan drugoga.</a:t>
+            </a:r>
+          </a:p>
+          <a:p>
+            <a:pPr lvl="0"/>
+            <a:r>
+              <a:rPr lang="sr-Latn-RS" dirty="0"/>
+              <a:t>Jedan od čvorova se definiše kao </a:t>
+            </a:r>
+            <a:r>
+              <a:rPr lang="sr-Latn-RS" b="1" dirty="0"/>
+              <a:t>Compactor čvor</a:t>
+            </a:r>
+            <a:r>
+              <a:rPr lang="sr-Latn-RS" dirty="0"/>
+              <a:t>.</a:t>
+            </a:r>
+          </a:p>
+          <a:p>
+            <a:pPr lvl="0"/>
+            <a:r>
+              <a:rPr lang="sr-Latn-RS" dirty="0"/>
+              <a:t>Samo jedan čvor može biti određen kao Compactor, jer je kompaktovani skup podataka namenjen jednom piscu i više čitaoca.</a:t>
+            </a:r>
+          </a:p>
+          <a:p>
+            <a:endParaRPr lang="sr-Latn-RS" dirty="0"/>
+          </a:p>
+        </p:txBody>
+      </p:sp>
+      <p:pic>
+        <p:nvPicPr>
+          <p:cNvPr id="4" name="Picture 3" descr="Basic high availability setup">
+            <a:extLst>
+              <a:ext uri="{FF2B5EF4-FFF2-40B4-BE49-F238E27FC236}">
+                <a16:creationId xmlns:a16="http://schemas.microsoft.com/office/drawing/2014/main" id="{796EB282-0F45-DC27-E9A0-DAC6BA5B2734}"/>
+              </a:ext>
+            </a:extLst>
+          </p:cNvPr>
+          <p:cNvPicPr>
+            <a:picLocks noChangeAspect="1"/>
+          </p:cNvPicPr>
+          <p:nvPr/>
+        </p:nvPicPr>
+        <p:blipFill>
+          <a:blip r:embed="rId2" cstate="print">
+            <a:extLst>
+              <a:ext uri="{28A0092B-C50C-407E-A947-70E740481C1C}">
+                <a14:useLocalDpi xmlns:a14="http://schemas.microsoft.com/office/drawing/2010/main" val="0"/>
+              </a:ext>
+            </a:extLst>
+          </a:blip>
+          <a:srcRect l="17512" t="12045" r="17399" b="12885"/>
+          <a:stretch>
+            <a:fillRect/>
+          </a:stretch>
+        </p:blipFill>
+        <p:spPr bwMode="auto">
+          <a:xfrm>
+            <a:off x="7537704" y="0"/>
+            <a:ext cx="4654296" cy="2450592"/>
+          </a:xfrm>
+          <a:prstGeom prst="rect">
+            <a:avLst/>
+          </a:prstGeom>
+          <a:noFill/>
+          <a:ln>
+            <a:solidFill>
+              <a:schemeClr val="tx1"/>
+            </a:solidFill>
+          </a:ln>
+        </p:spPr>
+      </p:pic>
+    </p:spTree>
+    <p:extLst>
+      <p:ext uri="{BB962C8B-B14F-4D97-AF65-F5344CB8AC3E}">
+        <p14:creationId xmlns:p14="http://schemas.microsoft.com/office/powerpoint/2010/main" val="130730879"/>
+      </p:ext>
+    </p:extLst>
+  </p:cSld>
+  <p:clrMapOvr>
+    <a:masterClrMapping/>
+  </p:clrMapOvr>
+</p:sld>
+</file>
+
+<file path=ppt/slides/slide11.xml><?xml version="1.0" encoding="utf-8"?>
+<p:sld xmlns:a="http://schemas.openxmlformats.org/drawingml/2006/main" xmlns:r="http://schemas.openxmlformats.org/officeDocument/2006/relationships" xmlns:p="http://schemas.openxmlformats.org/presentationml/2006/main">
+  <p:cSld>
+    <p:spTree>
+      <p:nvGrpSpPr>
+        <p:cNvPr id="1" name=""/>
+        <p:cNvGrpSpPr/>
+        <p:nvPr/>
+      </p:nvGrpSpPr>
+      <p:grpSpPr>
+        <a:xfrm>
+          <a:off x="0" y="0"/>
+          <a:ext cx="0" cy="0"/>
+          <a:chOff x="0" y="0"/>
+          <a:chExt cx="0" cy="0"/>
+        </a:xfrm>
+      </p:grpSpPr>
+      <p:sp>
+        <p:nvSpPr>
+          <p:cNvPr id="2" name="Title 1">
+            <a:extLst>
+              <a:ext uri="{FF2B5EF4-FFF2-40B4-BE49-F238E27FC236}">
+                <a16:creationId xmlns:a16="http://schemas.microsoft.com/office/drawing/2014/main" id="{6E77A8E5-33B0-C7CD-3E14-229E59FF19CD}"/>
+              </a:ext>
+            </a:extLst>
+          </p:cNvPr>
+          <p:cNvSpPr>
+            <a:spLocks noGrp="1"/>
+          </p:cNvSpPr>
+          <p:nvPr>
+            <p:ph type="title"/>
+          </p:nvPr>
+        </p:nvSpPr>
+        <p:spPr/>
+        <p:txBody>
+          <a:bodyPr/>
+          <a:lstStyle/>
+          <a:p>
+            <a:endParaRPr lang="sr-Latn-RS"/>
+          </a:p>
+        </p:txBody>
+      </p:sp>
+      <p:sp>
+        <p:nvSpPr>
+          <p:cNvPr id="3" name="Content Placeholder 2">
+            <a:extLst>
+              <a:ext uri="{FF2B5EF4-FFF2-40B4-BE49-F238E27FC236}">
+                <a16:creationId xmlns:a16="http://schemas.microsoft.com/office/drawing/2014/main" id="{B4B85594-8D37-E573-5088-DAFBED84F846}"/>
+              </a:ext>
+            </a:extLst>
+          </p:cNvPr>
+          <p:cNvSpPr>
+            <a:spLocks noGrp="1"/>
+          </p:cNvSpPr>
+          <p:nvPr>
+            <p:ph idx="1"/>
+          </p:nvPr>
+        </p:nvSpPr>
+        <p:spPr/>
+        <p:txBody>
+          <a:bodyPr/>
+          <a:lstStyle/>
+          <a:p>
+            <a:endParaRPr lang="sr-Latn-RS" dirty="0"/>
+          </a:p>
+        </p:txBody>
+      </p:sp>
+      <p:pic>
+        <p:nvPicPr>
+          <p:cNvPr id="5" name="Picture 4">
+            <a:extLst>
+              <a:ext uri="{FF2B5EF4-FFF2-40B4-BE49-F238E27FC236}">
+                <a16:creationId xmlns:a16="http://schemas.microsoft.com/office/drawing/2014/main" id="{C5CE3B99-A360-1DE2-D133-54C3CB0770BB}"/>
+              </a:ext>
+            </a:extLst>
+          </p:cNvPr>
+          <p:cNvPicPr>
+            <a:picLocks noChangeAspect="1"/>
+          </p:cNvPicPr>
+          <p:nvPr/>
+        </p:nvPicPr>
+        <p:blipFill>
+          <a:blip r:embed="rId2"/>
+          <a:stretch>
+            <a:fillRect/>
+          </a:stretch>
+        </p:blipFill>
+        <p:spPr>
+          <a:xfrm>
+            <a:off x="2796349" y="0"/>
+            <a:ext cx="5670995" cy="6858000"/>
+          </a:xfrm>
+          <a:prstGeom prst="rect">
+            <a:avLst/>
+          </a:prstGeom>
+        </p:spPr>
+      </p:pic>
+    </p:spTree>
+    <p:extLst>
+      <p:ext uri="{BB962C8B-B14F-4D97-AF65-F5344CB8AC3E}">
+        <p14:creationId xmlns:p14="http://schemas.microsoft.com/office/powerpoint/2010/main" val="931456204"/>
+      </p:ext>
+    </p:extLst>
+  </p:cSld>
+  <p:clrMapOvr>
+    <a:masterClrMapping/>
+  </p:clrMapOvr>
+</p:sld>
+</file>
+
+<file path=ppt/slides/slide12.xml><?xml version="1.0" encoding="utf-8"?>
+<p:sld xmlns:a="http://schemas.openxmlformats.org/drawingml/2006/main" xmlns:r="http://schemas.openxmlformats.org/officeDocument/2006/relationships" xmlns:p="http://schemas.openxmlformats.org/presentationml/2006/main">
+  <p:cSld>
+    <p:spTree>
+      <p:nvGrpSpPr>
+        <p:cNvPr id="1" name=""/>
+        <p:cNvGrpSpPr/>
+        <p:nvPr/>
+      </p:nvGrpSpPr>
+      <p:grpSpPr>
+        <a:xfrm>
+          <a:off x="0" y="0"/>
+          <a:ext cx="0" cy="0"/>
+          <a:chOff x="0" y="0"/>
+          <a:chExt cx="0" cy="0"/>
+        </a:xfrm>
+      </p:grpSpPr>
+      <p:sp>
+        <p:nvSpPr>
+          <p:cNvPr id="2" name="Title 1">
+            <a:extLst>
+              <a:ext uri="{FF2B5EF4-FFF2-40B4-BE49-F238E27FC236}">
+                <a16:creationId xmlns:a16="http://schemas.microsoft.com/office/drawing/2014/main" id="{04C224A1-2845-2125-0BC0-91A68D629F4E}"/>
+              </a:ext>
+            </a:extLst>
+          </p:cNvPr>
+          <p:cNvSpPr>
+            <a:spLocks noGrp="1"/>
+          </p:cNvSpPr>
+          <p:nvPr>
+            <p:ph type="title"/>
+          </p:nvPr>
+        </p:nvSpPr>
+        <p:spPr/>
+        <p:txBody>
+          <a:bodyPr/>
+          <a:lstStyle/>
+          <a:p>
+            <a:r>
+              <a:rPr lang="sr-Latn-RS" dirty="0"/>
+              <a:t>High availability sa dedicated Compactor čvorom</a:t>
+            </a:r>
+          </a:p>
+        </p:txBody>
+      </p:sp>
+      <p:sp>
+        <p:nvSpPr>
+          <p:cNvPr id="3" name="Content Placeholder 2">
+            <a:extLst>
+              <a:ext uri="{FF2B5EF4-FFF2-40B4-BE49-F238E27FC236}">
+                <a16:creationId xmlns:a16="http://schemas.microsoft.com/office/drawing/2014/main" id="{93A050D7-27D3-8A25-6A05-65202FDBB910}"/>
+              </a:ext>
+            </a:extLst>
+          </p:cNvPr>
+          <p:cNvSpPr>
+            <a:spLocks noGrp="1"/>
+          </p:cNvSpPr>
+          <p:nvPr>
+            <p:ph idx="1"/>
+          </p:nvPr>
+        </p:nvSpPr>
+        <p:spPr>
+          <a:xfrm>
+            <a:off x="82296" y="2052918"/>
+            <a:ext cx="12109704" cy="4195481"/>
+          </a:xfrm>
+        </p:spPr>
+        <p:txBody>
+          <a:bodyPr/>
+          <a:lstStyle/>
+          <a:p>
+            <a:r>
+              <a:rPr lang="sr-Latn-RS" b="1" dirty="0"/>
+              <a:t>Kompakcija podataka</a:t>
+            </a:r>
+            <a:r>
+              <a:rPr lang="sr-Latn-RS" dirty="0"/>
+              <a:t> u InfluxDB 3 Enterprise predstavlja jednu od računarski najzahtevnijih operacija. Da bismo obezbedili stabilne performanse čvorova koji se koriste za </a:t>
+            </a:r>
+            <a:r>
+              <a:rPr lang="sr-Latn-RS" b="1" dirty="0"/>
+              <a:t>ingestiju i upite</a:t>
+            </a:r>
+            <a:r>
+              <a:rPr lang="sr-Latn-RS" dirty="0"/>
+              <a:t>, postavljamo poseban čvor koji služi isključivo kao </a:t>
+            </a:r>
+            <a:r>
+              <a:rPr lang="sr-Latn-RS" b="1" dirty="0"/>
+              <a:t>Compactor</a:t>
+            </a:r>
+            <a:r>
+              <a:rPr lang="sr-Latn-RS" dirty="0"/>
+              <a:t>. Na taj način izolujemo proces kompakcije od ostalih radnih opterećenja.</a:t>
+            </a:r>
+          </a:p>
+          <a:p>
+            <a:r>
+              <a:rPr lang="sr-Latn-RS" dirty="0"/>
+              <a:t>Za ovu postavku pokrećemo dva čvora za čitanje i pisanje (read-write), koji funkcionišu kao </a:t>
+            </a:r>
+            <a:r>
+              <a:rPr lang="sr-Latn-RS" b="1" dirty="0"/>
+              <a:t>read replica</a:t>
+            </a:r>
+            <a:r>
+              <a:rPr lang="sr-Latn-RS" dirty="0"/>
+              <a:t> instanci – slično kao u prethodnom primeru. Pored njih, dodajemo treći čvor koji je posvećen isključivo kompakciji.</a:t>
+            </a:r>
+          </a:p>
+          <a:p>
+            <a:endParaRPr lang="sr-Latn-RS" dirty="0"/>
+          </a:p>
+        </p:txBody>
+      </p:sp>
+      <p:pic>
+        <p:nvPicPr>
+          <p:cNvPr id="5" name="Picture 4">
+            <a:extLst>
+              <a:ext uri="{FF2B5EF4-FFF2-40B4-BE49-F238E27FC236}">
+                <a16:creationId xmlns:a16="http://schemas.microsoft.com/office/drawing/2014/main" id="{D197AFC3-95BF-DBE6-FBC0-EFA633827BD4}"/>
+              </a:ext>
+            </a:extLst>
+          </p:cNvPr>
+          <p:cNvPicPr>
+            <a:picLocks noChangeAspect="1"/>
+          </p:cNvPicPr>
+          <p:nvPr/>
+        </p:nvPicPr>
+        <p:blipFill>
+          <a:blip r:embed="rId2"/>
+          <a:stretch>
+            <a:fillRect/>
+          </a:stretch>
+        </p:blipFill>
+        <p:spPr>
+          <a:xfrm>
+            <a:off x="4983808" y="4150658"/>
+            <a:ext cx="6894247" cy="2707342"/>
+          </a:xfrm>
+          <a:prstGeom prst="rect">
+            <a:avLst/>
+          </a:prstGeom>
+        </p:spPr>
+      </p:pic>
+    </p:spTree>
+    <p:extLst>
+      <p:ext uri="{BB962C8B-B14F-4D97-AF65-F5344CB8AC3E}">
+        <p14:creationId xmlns:p14="http://schemas.microsoft.com/office/powerpoint/2010/main" val="1289023100"/>
+      </p:ext>
+    </p:extLst>
+  </p:cSld>
+  <p:clrMapOvr>
+    <a:masterClrMapping/>
+  </p:clrMapOvr>
+</p:sld>
+</file>
+
+<file path=ppt/slides/slide13.xml><?xml version="1.0" encoding="utf-8"?>
+<p:sld xmlns:a="http://schemas.openxmlformats.org/drawingml/2006/main" xmlns:r="http://schemas.openxmlformats.org/officeDocument/2006/relationships" xmlns:p="http://schemas.openxmlformats.org/presentationml/2006/main">
+  <p:cSld>
+    <p:spTree>
+      <p:nvGrpSpPr>
+        <p:cNvPr id="1" name=""/>
+        <p:cNvGrpSpPr/>
+        <p:nvPr/>
+      </p:nvGrpSpPr>
+      <p:grpSpPr>
+        <a:xfrm>
+          <a:off x="0" y="0"/>
+          <a:ext cx="0" cy="0"/>
+          <a:chOff x="0" y="0"/>
+          <a:chExt cx="0" cy="0"/>
+        </a:xfrm>
+      </p:grpSpPr>
+      <p:sp>
+        <p:nvSpPr>
+          <p:cNvPr id="2" name="Title 1">
+            <a:extLst>
+              <a:ext uri="{FF2B5EF4-FFF2-40B4-BE49-F238E27FC236}">
+                <a16:creationId xmlns:a16="http://schemas.microsoft.com/office/drawing/2014/main" id="{586E0508-47EE-F4D6-C64F-E8D08F76AC47}"/>
+              </a:ext>
+            </a:extLst>
+          </p:cNvPr>
+          <p:cNvSpPr>
+            <a:spLocks noGrp="1"/>
+          </p:cNvSpPr>
+          <p:nvPr>
+            <p:ph type="title"/>
+          </p:nvPr>
+        </p:nvSpPr>
+        <p:spPr/>
+        <p:txBody>
+          <a:bodyPr/>
+          <a:lstStyle/>
+          <a:p>
+            <a:endParaRPr lang="sr-Latn-RS"/>
+          </a:p>
+        </p:txBody>
+      </p:sp>
+      <p:sp>
+        <p:nvSpPr>
+          <p:cNvPr id="3" name="Content Placeholder 2">
+            <a:extLst>
+              <a:ext uri="{FF2B5EF4-FFF2-40B4-BE49-F238E27FC236}">
+                <a16:creationId xmlns:a16="http://schemas.microsoft.com/office/drawing/2014/main" id="{FF9DF7D1-67DB-9B3F-8F99-01CC113648BD}"/>
+              </a:ext>
+            </a:extLst>
+          </p:cNvPr>
+          <p:cNvSpPr>
+            <a:spLocks noGrp="1"/>
+          </p:cNvSpPr>
+          <p:nvPr>
+            <p:ph idx="1"/>
+          </p:nvPr>
+        </p:nvSpPr>
+        <p:spPr/>
+        <p:txBody>
+          <a:bodyPr/>
+          <a:lstStyle/>
+          <a:p>
+            <a:endParaRPr lang="sr-Latn-RS" dirty="0"/>
+          </a:p>
+        </p:txBody>
+      </p:sp>
+      <p:pic>
+        <p:nvPicPr>
+          <p:cNvPr id="5" name="Picture 4">
+            <a:extLst>
+              <a:ext uri="{FF2B5EF4-FFF2-40B4-BE49-F238E27FC236}">
+                <a16:creationId xmlns:a16="http://schemas.microsoft.com/office/drawing/2014/main" id="{D5D7E1FA-594C-5688-5873-6B0D1F34B78D}"/>
+              </a:ext>
+            </a:extLst>
+          </p:cNvPr>
+          <p:cNvPicPr>
+            <a:picLocks noChangeAspect="1"/>
+          </p:cNvPicPr>
+          <p:nvPr/>
+        </p:nvPicPr>
+        <p:blipFill>
+          <a:blip r:embed="rId2"/>
+          <a:stretch>
+            <a:fillRect/>
+          </a:stretch>
+        </p:blipFill>
+        <p:spPr>
+          <a:xfrm>
+            <a:off x="364753" y="281368"/>
+            <a:ext cx="3552825" cy="2619375"/>
+          </a:xfrm>
+          <a:prstGeom prst="rect">
+            <a:avLst/>
+          </a:prstGeom>
+        </p:spPr>
+      </p:pic>
+      <p:pic>
+        <p:nvPicPr>
+          <p:cNvPr id="7" name="Picture 6">
+            <a:extLst>
+              <a:ext uri="{FF2B5EF4-FFF2-40B4-BE49-F238E27FC236}">
+                <a16:creationId xmlns:a16="http://schemas.microsoft.com/office/drawing/2014/main" id="{8AECA99E-9C08-7A21-642A-40F107B61E96}"/>
+              </a:ext>
+            </a:extLst>
+          </p:cNvPr>
+          <p:cNvPicPr>
+            <a:picLocks noChangeAspect="1"/>
+          </p:cNvPicPr>
+          <p:nvPr/>
+        </p:nvPicPr>
+        <p:blipFill>
+          <a:blip r:embed="rId3"/>
+          <a:stretch>
+            <a:fillRect/>
+          </a:stretch>
+        </p:blipFill>
+        <p:spPr>
+          <a:xfrm>
+            <a:off x="5348472" y="281368"/>
+            <a:ext cx="3962400" cy="2686050"/>
+          </a:xfrm>
+          <a:prstGeom prst="rect">
+            <a:avLst/>
+          </a:prstGeom>
+        </p:spPr>
+      </p:pic>
+      <p:pic>
+        <p:nvPicPr>
+          <p:cNvPr id="9" name="Picture 8">
+            <a:extLst>
+              <a:ext uri="{FF2B5EF4-FFF2-40B4-BE49-F238E27FC236}">
+                <a16:creationId xmlns:a16="http://schemas.microsoft.com/office/drawing/2014/main" id="{B08ACDE8-8682-75B8-49E5-2F10930C3CD2}"/>
+              </a:ext>
+            </a:extLst>
+          </p:cNvPr>
+          <p:cNvPicPr>
+            <a:picLocks noChangeAspect="1"/>
+          </p:cNvPicPr>
+          <p:nvPr/>
+        </p:nvPicPr>
+        <p:blipFill>
+          <a:blip r:embed="rId4"/>
+          <a:stretch>
+            <a:fillRect/>
+          </a:stretch>
+        </p:blipFill>
+        <p:spPr>
+          <a:xfrm>
+            <a:off x="1229226" y="3138768"/>
+            <a:ext cx="8001000" cy="3543300"/>
+          </a:xfrm>
+          <a:prstGeom prst="rect">
+            <a:avLst/>
+          </a:prstGeom>
+        </p:spPr>
+      </p:pic>
+    </p:spTree>
+    <p:extLst>
+      <p:ext uri="{BB962C8B-B14F-4D97-AF65-F5344CB8AC3E}">
+        <p14:creationId xmlns:p14="http://schemas.microsoft.com/office/powerpoint/2010/main" val="3389914885"/>
+      </p:ext>
+    </p:extLst>
+  </p:cSld>
+  <p:clrMapOvr>
+    <a:masterClrMapping/>
+  </p:clrMapOvr>
+</p:sld>
+</file>
+
+<file path=ppt/slides/slide14.xml><?xml version="1.0" encoding="utf-8"?>
+<p:sld xmlns:a="http://schemas.openxmlformats.org/drawingml/2006/main" xmlns:r="http://schemas.openxmlformats.org/officeDocument/2006/relationships" xmlns:p="http://schemas.openxmlformats.org/presentationml/2006/main">
+  <p:cSld>
+    <p:spTree>
+      <p:nvGrpSpPr>
+        <p:cNvPr id="1" name=""/>
+        <p:cNvGrpSpPr/>
+        <p:nvPr/>
+      </p:nvGrpSpPr>
+      <p:grpSpPr>
+        <a:xfrm>
+          <a:off x="0" y="0"/>
+          <a:ext cx="0" cy="0"/>
+          <a:chOff x="0" y="0"/>
+          <a:chExt cx="0" cy="0"/>
+        </a:xfrm>
+      </p:grpSpPr>
+      <p:sp>
+        <p:nvSpPr>
+          <p:cNvPr id="2" name="Title 1">
+            <a:extLst>
+              <a:ext uri="{FF2B5EF4-FFF2-40B4-BE49-F238E27FC236}">
+                <a16:creationId xmlns:a16="http://schemas.microsoft.com/office/drawing/2014/main" id="{803EAD61-CA08-E28D-FBC1-6283B3F43B01}"/>
+              </a:ext>
+            </a:extLst>
+          </p:cNvPr>
+          <p:cNvSpPr>
+            <a:spLocks noGrp="1"/>
+          </p:cNvSpPr>
+          <p:nvPr>
+            <p:ph type="title"/>
+          </p:nvPr>
+        </p:nvSpPr>
+        <p:spPr/>
+        <p:txBody>
+          <a:bodyPr/>
+          <a:lstStyle/>
+          <a:p>
+            <a:r>
+              <a:rPr lang="sr-Latn-RS" b="1" dirty="0"/>
+              <a:t>High availability sa read replicas i dedicated Compactor čvorom</a:t>
+            </a:r>
+            <a:br>
+              <a:rPr lang="sr-Latn-RS" b="1" dirty="0"/>
+            </a:br>
+            <a:endParaRPr lang="sr-Latn-RS" dirty="0"/>
+          </a:p>
+        </p:txBody>
+      </p:sp>
+      <p:sp>
+        <p:nvSpPr>
+          <p:cNvPr id="3" name="Content Placeholder 2">
+            <a:extLst>
+              <a:ext uri="{FF2B5EF4-FFF2-40B4-BE49-F238E27FC236}">
+                <a16:creationId xmlns:a16="http://schemas.microsoft.com/office/drawing/2014/main" id="{0DB54C52-0049-F4E7-BABF-47D14335361E}"/>
+              </a:ext>
+            </a:extLst>
+          </p:cNvPr>
+          <p:cNvSpPr>
+            <a:spLocks noGrp="1"/>
+          </p:cNvSpPr>
+          <p:nvPr>
+            <p:ph idx="1"/>
+          </p:nvPr>
+        </p:nvSpPr>
+        <p:spPr>
+          <a:xfrm>
+            <a:off x="402336" y="2052918"/>
+            <a:ext cx="6163247" cy="2951835"/>
+          </a:xfrm>
+        </p:spPr>
+        <p:txBody>
+          <a:bodyPr/>
+          <a:lstStyle/>
+          <a:p>
+            <a:r>
+              <a:rPr lang="sr-Latn-RS" dirty="0"/>
+              <a:t>Za </a:t>
+            </a:r>
+            <a:r>
+              <a:rPr lang="sr-Latn-RS" b="1" dirty="0"/>
+              <a:t>robustno i efikasno okruženje</a:t>
+            </a:r>
+            <a:r>
+              <a:rPr lang="sr-Latn-RS" dirty="0"/>
+              <a:t> za upravljanje vremenskim serijama podataka, možemo kombinovati čvorove za ingest sa čvorovima za upite i posebnim </a:t>
+            </a:r>
+            <a:r>
+              <a:rPr lang="sr-Latn-RS" b="1" dirty="0"/>
+              <a:t>dedicated Compactor</a:t>
+            </a:r>
+            <a:r>
+              <a:rPr lang="sr-Latn-RS" dirty="0"/>
+              <a:t> čvorom. Ovakva konfiguracija omogućava </a:t>
+            </a:r>
+            <a:r>
+              <a:rPr lang="sr-Latn-RS" b="1" dirty="0"/>
+              <a:t>potpunu izolaciju radnog opterećenja</a:t>
+            </a:r>
+            <a:r>
+              <a:rPr lang="sr-Latn-RS" dirty="0"/>
+              <a:t> i optimalnu raspodelu resursa.</a:t>
+            </a:r>
+          </a:p>
+          <a:p>
+            <a:endParaRPr lang="sr-Latn-RS" dirty="0"/>
+          </a:p>
+        </p:txBody>
+      </p:sp>
+      <p:pic>
+        <p:nvPicPr>
+          <p:cNvPr id="4" name="Picture 3" descr="Workload Isolation Setup">
+            <a:extLst>
+              <a:ext uri="{FF2B5EF4-FFF2-40B4-BE49-F238E27FC236}">
+                <a16:creationId xmlns:a16="http://schemas.microsoft.com/office/drawing/2014/main" id="{AC6E8074-F4F4-B267-8A75-D54137EBCDB9}"/>
+              </a:ext>
+            </a:extLst>
+          </p:cNvPr>
+          <p:cNvPicPr>
+            <a:picLocks noChangeAspect="1"/>
+          </p:cNvPicPr>
+          <p:nvPr/>
+        </p:nvPicPr>
+        <p:blipFill>
+          <a:blip r:embed="rId2" cstate="print">
+            <a:extLst>
+              <a:ext uri="{28A0092B-C50C-407E-A947-70E740481C1C}">
+                <a14:useLocalDpi xmlns:a14="http://schemas.microsoft.com/office/drawing/2010/main" val="0"/>
+              </a:ext>
+            </a:extLst>
+          </a:blip>
+          <a:srcRect/>
+          <a:stretch>
+            <a:fillRect/>
+          </a:stretch>
+        </p:blipFill>
+        <p:spPr bwMode="auto">
+          <a:xfrm>
+            <a:off x="6565583" y="1766741"/>
+            <a:ext cx="5462270" cy="2493645"/>
+          </a:xfrm>
+          <a:prstGeom prst="rect">
+            <a:avLst/>
+          </a:prstGeom>
+          <a:noFill/>
+          <a:ln>
+            <a:solidFill>
+              <a:schemeClr val="tx1"/>
+            </a:solidFill>
+          </a:ln>
+        </p:spPr>
+      </p:pic>
+      <p:sp>
+        <p:nvSpPr>
+          <p:cNvPr id="5" name="TextBox 4">
+            <a:extLst>
+              <a:ext uri="{FF2B5EF4-FFF2-40B4-BE49-F238E27FC236}">
+                <a16:creationId xmlns:a16="http://schemas.microsoft.com/office/drawing/2014/main" id="{D04B6C51-48F6-B94E-69D6-A560D9D7818B}"/>
+              </a:ext>
+            </a:extLst>
+          </p:cNvPr>
+          <p:cNvSpPr txBox="1"/>
+          <p:nvPr/>
+        </p:nvSpPr>
+        <p:spPr>
+          <a:xfrm>
+            <a:off x="402336" y="4590288"/>
+            <a:ext cx="11247120" cy="2308324"/>
+          </a:xfrm>
+          <a:prstGeom prst="rect">
+            <a:avLst/>
+          </a:prstGeom>
+          <a:noFill/>
+        </p:spPr>
+        <p:txBody>
+          <a:bodyPr wrap="square" rtlCol="0">
+            <a:spAutoFit/>
+          </a:bodyPr>
+          <a:lstStyle/>
+          <a:p>
+            <a:r>
+              <a:rPr lang="sr-Latn-RS" b="1" dirty="0"/>
+              <a:t>Workload Isolation Setup</a:t>
+            </a:r>
+            <a:endParaRPr lang="sr-Latn-RS" dirty="0"/>
+          </a:p>
+          <a:p>
+            <a:r>
+              <a:rPr lang="sr-Latn-RS" b="1" dirty="0"/>
+              <a:t> </a:t>
+            </a:r>
+            <a:endParaRPr lang="sr-Latn-RS" dirty="0"/>
+          </a:p>
+          <a:p>
+            <a:pPr lvl="0"/>
+            <a:r>
+              <a:rPr lang="sr-Latn-RS" dirty="0"/>
+              <a:t>Pokrećemo </a:t>
+            </a:r>
+            <a:r>
+              <a:rPr lang="sr-Latn-RS" b="1" dirty="0"/>
+              <a:t>ingest čvorove</a:t>
+            </a:r>
+            <a:r>
+              <a:rPr lang="sr-Latn-RS" dirty="0"/>
+              <a:t> u ingest modu.</a:t>
+            </a:r>
+          </a:p>
+          <a:p>
+            <a:pPr lvl="0"/>
+            <a:r>
+              <a:rPr lang="sr-Latn-RS" dirty="0"/>
+              <a:t>Svi </a:t>
+            </a:r>
+            <a:r>
+              <a:rPr lang="sr-Latn-RS" b="1" dirty="0"/>
+              <a:t>zahtevi za upis podataka</a:t>
+            </a:r>
+            <a:r>
+              <a:rPr lang="sr-Latn-RS" dirty="0"/>
+              <a:t> šalju se isključivo na ingest čvorove.</a:t>
+            </a:r>
+          </a:p>
+          <a:p>
+            <a:pPr lvl="0"/>
+            <a:r>
+              <a:rPr lang="sr-Latn-RS" b="1" dirty="0"/>
+              <a:t>Compactor čvor</a:t>
+            </a:r>
+            <a:r>
+              <a:rPr lang="sr-Latn-RS" dirty="0"/>
+              <a:t> pokrećemo u compact modu.</a:t>
+            </a:r>
+          </a:p>
+          <a:p>
+            <a:pPr lvl="0"/>
+            <a:r>
+              <a:rPr lang="sr-Latn-RS" b="1" dirty="0"/>
+              <a:t>Query čvorovi</a:t>
+            </a:r>
+            <a:r>
+              <a:rPr lang="sr-Latn-RS" dirty="0"/>
+              <a:t> se pokreću u query modu, i svi </a:t>
+            </a:r>
+            <a:r>
+              <a:rPr lang="sr-Latn-RS" b="1" dirty="0"/>
+              <a:t>zahtevi za čitanje/analizu podataka</a:t>
+            </a:r>
+            <a:r>
+              <a:rPr lang="sr-Latn-RS" dirty="0"/>
+              <a:t> šalju se samo njima.</a:t>
+            </a:r>
+          </a:p>
+          <a:p>
+            <a:endParaRPr lang="sr-Latn-RS" dirty="0"/>
+          </a:p>
+        </p:txBody>
+      </p:sp>
+    </p:spTree>
+    <p:extLst>
+      <p:ext uri="{BB962C8B-B14F-4D97-AF65-F5344CB8AC3E}">
+        <p14:creationId xmlns:p14="http://schemas.microsoft.com/office/powerpoint/2010/main" val="2977128651"/>
+      </p:ext>
+    </p:extLst>
+  </p:cSld>
+  <p:clrMapOvr>
+    <a:masterClrMapping/>
+  </p:clrMapOvr>
+</p:sld>
+</file>
+
+<file path=ppt/slides/slide15.xml><?xml version="1.0" encoding="utf-8"?>
+<p:sld xmlns:a="http://schemas.openxmlformats.org/drawingml/2006/main" xmlns:r="http://schemas.openxmlformats.org/officeDocument/2006/relationships" xmlns:p="http://schemas.openxmlformats.org/presentationml/2006/main">
+  <p:cSld>
+    <p:spTree>
+      <p:nvGrpSpPr>
+        <p:cNvPr id="1" name=""/>
+        <p:cNvGrpSpPr/>
+        <p:nvPr/>
+      </p:nvGrpSpPr>
+      <p:grpSpPr>
+        <a:xfrm>
+          <a:off x="0" y="0"/>
+          <a:ext cx="0" cy="0"/>
+          <a:chOff x="0" y="0"/>
+          <a:chExt cx="0" cy="0"/>
+        </a:xfrm>
+      </p:grpSpPr>
+      <p:sp>
+        <p:nvSpPr>
+          <p:cNvPr id="2" name="Title 1">
+            <a:extLst>
+              <a:ext uri="{FF2B5EF4-FFF2-40B4-BE49-F238E27FC236}">
+                <a16:creationId xmlns:a16="http://schemas.microsoft.com/office/drawing/2014/main" id="{8A65D93D-55A6-CE0E-5E41-6D096F6E50AE}"/>
+              </a:ext>
+            </a:extLst>
+          </p:cNvPr>
+          <p:cNvSpPr>
+            <a:spLocks noGrp="1"/>
+          </p:cNvSpPr>
+          <p:nvPr>
+            <p:ph type="title"/>
+          </p:nvPr>
+        </p:nvSpPr>
+        <p:spPr/>
+        <p:txBody>
+          <a:bodyPr/>
+          <a:lstStyle/>
+          <a:p>
+            <a:endParaRPr lang="sr-Latn-RS"/>
+          </a:p>
+        </p:txBody>
+      </p:sp>
+      <p:pic>
+        <p:nvPicPr>
+          <p:cNvPr id="9" name="Content Placeholder 8">
+            <a:extLst>
+              <a:ext uri="{FF2B5EF4-FFF2-40B4-BE49-F238E27FC236}">
+                <a16:creationId xmlns:a16="http://schemas.microsoft.com/office/drawing/2014/main" id="{49F0F60F-F344-8F4A-14DE-841238CB2A90}"/>
+              </a:ext>
+            </a:extLst>
+          </p:cNvPr>
+          <p:cNvPicPr>
+            <a:picLocks noGrp="1" noChangeAspect="1"/>
+          </p:cNvPicPr>
+          <p:nvPr>
+            <p:ph idx="1"/>
+          </p:nvPr>
+        </p:nvPicPr>
+        <p:blipFill>
+          <a:blip r:embed="rId2"/>
+          <a:stretch>
+            <a:fillRect/>
+          </a:stretch>
+        </p:blipFill>
+        <p:spPr>
+          <a:xfrm>
+            <a:off x="8409105" y="317372"/>
+            <a:ext cx="3667125" cy="2371725"/>
+          </a:xfrm>
+          <a:prstGeom prst="rect">
+            <a:avLst/>
+          </a:prstGeom>
+        </p:spPr>
+      </p:pic>
+      <p:pic>
+        <p:nvPicPr>
+          <p:cNvPr id="5" name="Picture 4">
+            <a:extLst>
+              <a:ext uri="{FF2B5EF4-FFF2-40B4-BE49-F238E27FC236}">
+                <a16:creationId xmlns:a16="http://schemas.microsoft.com/office/drawing/2014/main" id="{77631085-37B8-F284-62A4-A07FAD327E11}"/>
+              </a:ext>
+            </a:extLst>
+          </p:cNvPr>
+          <p:cNvPicPr>
+            <a:picLocks noChangeAspect="1"/>
+          </p:cNvPicPr>
+          <p:nvPr/>
+        </p:nvPicPr>
+        <p:blipFill>
+          <a:blip r:embed="rId3"/>
+          <a:stretch>
+            <a:fillRect/>
+          </a:stretch>
+        </p:blipFill>
+        <p:spPr>
+          <a:xfrm>
+            <a:off x="188541" y="169735"/>
+            <a:ext cx="3905250" cy="2714625"/>
+          </a:xfrm>
+          <a:prstGeom prst="rect">
+            <a:avLst/>
+          </a:prstGeom>
+        </p:spPr>
+      </p:pic>
+      <p:pic>
+        <p:nvPicPr>
+          <p:cNvPr id="7" name="Picture 6">
+            <a:extLst>
+              <a:ext uri="{FF2B5EF4-FFF2-40B4-BE49-F238E27FC236}">
+                <a16:creationId xmlns:a16="http://schemas.microsoft.com/office/drawing/2014/main" id="{C2E8D114-A2C9-2E7C-F944-2C3C4CA1D4E3}"/>
+              </a:ext>
+            </a:extLst>
+          </p:cNvPr>
+          <p:cNvPicPr>
+            <a:picLocks noChangeAspect="1"/>
+          </p:cNvPicPr>
+          <p:nvPr/>
+        </p:nvPicPr>
+        <p:blipFill>
+          <a:blip r:embed="rId4"/>
+          <a:stretch>
+            <a:fillRect/>
+          </a:stretch>
+        </p:blipFill>
+        <p:spPr>
+          <a:xfrm>
+            <a:off x="4174998" y="169735"/>
+            <a:ext cx="4152900" cy="2667000"/>
+          </a:xfrm>
+          <a:prstGeom prst="rect">
+            <a:avLst/>
+          </a:prstGeom>
+        </p:spPr>
+      </p:pic>
+      <p:pic>
+        <p:nvPicPr>
+          <p:cNvPr id="11" name="Picture 10">
+            <a:extLst>
+              <a:ext uri="{FF2B5EF4-FFF2-40B4-BE49-F238E27FC236}">
+                <a16:creationId xmlns:a16="http://schemas.microsoft.com/office/drawing/2014/main" id="{2CE77D82-BB04-EFDC-7C40-4206875E4BDE}"/>
+              </a:ext>
+            </a:extLst>
+          </p:cNvPr>
+          <p:cNvPicPr>
+            <a:picLocks noChangeAspect="1"/>
+          </p:cNvPicPr>
+          <p:nvPr/>
+        </p:nvPicPr>
+        <p:blipFill>
+          <a:blip r:embed="rId5"/>
+          <a:stretch>
+            <a:fillRect/>
+          </a:stretch>
+        </p:blipFill>
+        <p:spPr>
+          <a:xfrm>
+            <a:off x="264741" y="3167343"/>
+            <a:ext cx="3829050" cy="2352675"/>
+          </a:xfrm>
+          <a:prstGeom prst="rect">
+            <a:avLst/>
+          </a:prstGeom>
+        </p:spPr>
+      </p:pic>
+      <p:pic>
+        <p:nvPicPr>
+          <p:cNvPr id="13" name="Picture 12">
+            <a:extLst>
+              <a:ext uri="{FF2B5EF4-FFF2-40B4-BE49-F238E27FC236}">
+                <a16:creationId xmlns:a16="http://schemas.microsoft.com/office/drawing/2014/main" id="{91E9AC38-2398-5B21-7B50-109942E8AD2E}"/>
+              </a:ext>
+            </a:extLst>
+          </p:cNvPr>
+          <p:cNvPicPr>
+            <a:picLocks noChangeAspect="1"/>
+          </p:cNvPicPr>
+          <p:nvPr/>
+        </p:nvPicPr>
+        <p:blipFill>
+          <a:blip r:embed="rId6"/>
+          <a:stretch>
+            <a:fillRect/>
+          </a:stretch>
+        </p:blipFill>
+        <p:spPr>
+          <a:xfrm>
+            <a:off x="4259636" y="3119718"/>
+            <a:ext cx="3838575" cy="2524125"/>
+          </a:xfrm>
+          <a:prstGeom prst="rect">
+            <a:avLst/>
+          </a:prstGeom>
+        </p:spPr>
+      </p:pic>
+    </p:spTree>
+    <p:extLst>
+      <p:ext uri="{BB962C8B-B14F-4D97-AF65-F5344CB8AC3E}">
+        <p14:creationId xmlns:p14="http://schemas.microsoft.com/office/powerpoint/2010/main" val="1164799122"/>
+      </p:ext>
+    </p:extLst>
+  </p:cSld>
+  <p:clrMapOvr>
+    <a:masterClrMapping/>
+  </p:clrMapOvr>
+</p:sld>
+</file>
+
+<file path=ppt/slides/slide16.xml><?xml version="1.0" encoding="utf-8"?>
+<p:sld xmlns:a="http://schemas.openxmlformats.org/drawingml/2006/main" xmlns:r="http://schemas.openxmlformats.org/officeDocument/2006/relationships" xmlns:p="http://schemas.openxmlformats.org/presentationml/2006/main">
+  <p:cSld>
+    <p:spTree>
+      <p:nvGrpSpPr>
+        <p:cNvPr id="1" name=""/>
+        <p:cNvGrpSpPr/>
+        <p:nvPr/>
+      </p:nvGrpSpPr>
+      <p:grpSpPr>
+        <a:xfrm>
+          <a:off x="0" y="0"/>
+          <a:ext cx="0" cy="0"/>
+          <a:chOff x="0" y="0"/>
+          <a:chExt cx="0" cy="0"/>
+        </a:xfrm>
+      </p:grpSpPr>
+      <p:sp>
+        <p:nvSpPr>
+          <p:cNvPr id="2" name="Title 1">
+            <a:extLst>
+              <a:ext uri="{FF2B5EF4-FFF2-40B4-BE49-F238E27FC236}">
+                <a16:creationId xmlns:a16="http://schemas.microsoft.com/office/drawing/2014/main" id="{F95B0693-D0E0-3571-F1A5-2BB144768DD2}"/>
+              </a:ext>
+            </a:extLst>
+          </p:cNvPr>
+          <p:cNvSpPr>
+            <a:spLocks noGrp="1"/>
+          </p:cNvSpPr>
+          <p:nvPr>
+            <p:ph type="title"/>
+          </p:nvPr>
+        </p:nvSpPr>
+        <p:spPr/>
+        <p:txBody>
+          <a:bodyPr/>
+          <a:lstStyle/>
+          <a:p>
+            <a:r>
+              <a:rPr lang="en-US"/>
+              <a:t>Upisivanje i izvršavanje upita u multi-node klasterima</a:t>
+            </a:r>
+            <a:endParaRPr lang="sr-Latn-RS" dirty="0"/>
+          </a:p>
+        </p:txBody>
+      </p:sp>
+      <p:sp>
+        <p:nvSpPr>
+          <p:cNvPr id="3" name="Content Placeholder 2">
+            <a:extLst>
+              <a:ext uri="{FF2B5EF4-FFF2-40B4-BE49-F238E27FC236}">
+                <a16:creationId xmlns:a16="http://schemas.microsoft.com/office/drawing/2014/main" id="{9C9CF746-73ED-78BD-2789-ED31EC0B66A4}"/>
+              </a:ext>
+            </a:extLst>
+          </p:cNvPr>
+          <p:cNvSpPr>
+            <a:spLocks noGrp="1"/>
+          </p:cNvSpPr>
+          <p:nvPr>
+            <p:ph idx="1"/>
+          </p:nvPr>
+        </p:nvSpPr>
+        <p:spPr/>
+        <p:txBody>
+          <a:bodyPr>
+            <a:normAutofit fontScale="85000" lnSpcReduction="10000"/>
+          </a:bodyPr>
+          <a:lstStyle/>
+          <a:p>
+            <a:r>
+              <a:rPr lang="sr-Latn-RS" b="1" dirty="0"/>
+              <a:t>Specifikacija hostova za upis i izvršavanje upita</a:t>
+            </a:r>
+            <a:endParaRPr lang="sr-Latn-RS" dirty="0"/>
+          </a:p>
+          <a:p>
+            <a:pPr marL="0" indent="0">
+              <a:buNone/>
+            </a:pPr>
+            <a:endParaRPr lang="sr-Latn-RS" dirty="0"/>
+          </a:p>
+          <a:p>
+            <a:r>
+              <a:rPr lang="sr-Latn-RS" dirty="0"/>
+              <a:t>Da bismo u potpunosti iskoristili prednosti </a:t>
+            </a:r>
+            <a:r>
+              <a:rPr lang="sr-Latn-RS" b="1" dirty="0"/>
+              <a:t>multi-node izolovane arhitekture</a:t>
+            </a:r>
+            <a:r>
+              <a:rPr lang="sr-Latn-RS" dirty="0"/>
+              <a:t>, potrebno je da pravilno usmeravamo zahteve:</a:t>
+            </a:r>
+          </a:p>
+          <a:p>
+            <a:pPr marL="0" indent="0">
+              <a:buNone/>
+            </a:pPr>
+            <a:endParaRPr lang="sr-Latn-RS" dirty="0"/>
+          </a:p>
+          <a:p>
+            <a:pPr lvl="0"/>
+            <a:r>
+              <a:rPr lang="sr-Latn-RS" b="1" dirty="0"/>
+              <a:t>Zahteve za upis (write requests)</a:t>
+            </a:r>
+            <a:r>
+              <a:rPr lang="sr-Latn-RS" dirty="0"/>
+              <a:t> šaljemo ka čvoru koji je određen kao </a:t>
+            </a:r>
+            <a:r>
+              <a:rPr lang="sr-Latn-RS" b="1" dirty="0"/>
+              <a:t>ingester</a:t>
+            </a:r>
+            <a:r>
+              <a:rPr lang="sr-Latn-RS" dirty="0"/>
+              <a:t>.</a:t>
+            </a:r>
+          </a:p>
+          <a:p>
+            <a:pPr lvl="0"/>
+            <a:r>
+              <a:rPr lang="sr-Latn-RS" b="1" dirty="0"/>
+              <a:t>Zahteve za izvršavanje upita (query requests)</a:t>
+            </a:r>
+            <a:r>
+              <a:rPr lang="sr-Latn-RS" dirty="0"/>
+              <a:t> šaljemo ka čvoru koji je određen kao </a:t>
+            </a:r>
+            <a:r>
+              <a:rPr lang="sr-Latn-RS" b="1" dirty="0"/>
+              <a:t>querier</a:t>
+            </a:r>
+            <a:r>
+              <a:rPr lang="sr-Latn-RS" dirty="0"/>
+              <a:t>.</a:t>
+            </a:r>
+          </a:p>
+          <a:p>
+            <a:pPr marL="0" indent="0">
+              <a:buNone/>
+            </a:pPr>
+            <a:endParaRPr lang="sr-Latn-RS" dirty="0"/>
+          </a:p>
+          <a:p>
+            <a:r>
+              <a:rPr lang="sr-Latn-RS" dirty="0"/>
+              <a:t>U situacijama kada pokrećemo više lokalnih instanci za potrebe testiranja ili kada koristimo odvojene čvorove u produkcionom okruženju, precizno navođenje hosta omogućava da upiti i upisi budu usmereni na ispravnu instancu.</a:t>
+            </a:r>
+          </a:p>
+          <a:p>
+            <a:endParaRPr lang="sr-Latn-RS" dirty="0"/>
+          </a:p>
+          <a:p>
+            <a:endParaRPr lang="sr-Latn-RS" dirty="0"/>
+          </a:p>
+        </p:txBody>
+      </p:sp>
+    </p:spTree>
+    <p:extLst>
+      <p:ext uri="{BB962C8B-B14F-4D97-AF65-F5344CB8AC3E}">
+        <p14:creationId xmlns:p14="http://schemas.microsoft.com/office/powerpoint/2010/main" val="641413159"/>
+      </p:ext>
+    </p:extLst>
+  </p:cSld>
+  <p:clrMapOvr>
+    <a:masterClrMapping/>
+  </p:clrMapOvr>
+</p:sld>
+</file>
+
+<file path=ppt/slides/slide17.xml><?xml version="1.0" encoding="utf-8"?>
+<p:sld xmlns:a="http://schemas.openxmlformats.org/drawingml/2006/main" xmlns:r="http://schemas.openxmlformats.org/officeDocument/2006/relationships" xmlns:p="http://schemas.openxmlformats.org/presentationml/2006/main">
+  <p:cSld>
+    <p:spTree>
+      <p:nvGrpSpPr>
+        <p:cNvPr id="1" name=""/>
+        <p:cNvGrpSpPr/>
+        <p:nvPr/>
+      </p:nvGrpSpPr>
+      <p:grpSpPr>
+        <a:xfrm>
+          <a:off x="0" y="0"/>
+          <a:ext cx="0" cy="0"/>
+          <a:chOff x="0" y="0"/>
+          <a:chExt cx="0" cy="0"/>
+        </a:xfrm>
+      </p:grpSpPr>
+      <p:sp>
+        <p:nvSpPr>
+          <p:cNvPr id="2" name="Title 1">
+            <a:extLst>
+              <a:ext uri="{FF2B5EF4-FFF2-40B4-BE49-F238E27FC236}">
+                <a16:creationId xmlns:a16="http://schemas.microsoft.com/office/drawing/2014/main" id="{2809561F-9DCE-4131-BB31-280CD68DEDD7}"/>
+              </a:ext>
+            </a:extLst>
+          </p:cNvPr>
+          <p:cNvSpPr>
+            <a:spLocks noGrp="1"/>
+          </p:cNvSpPr>
+          <p:nvPr>
+            <p:ph type="title"/>
+          </p:nvPr>
+        </p:nvSpPr>
+        <p:spPr/>
+        <p:txBody>
+          <a:bodyPr/>
+          <a:lstStyle/>
+          <a:p>
+            <a:endParaRPr lang="sr-Latn-RS"/>
+          </a:p>
+        </p:txBody>
+      </p:sp>
+      <p:pic>
+        <p:nvPicPr>
+          <p:cNvPr id="5" name="Content Placeholder 4">
+            <a:extLst>
+              <a:ext uri="{FF2B5EF4-FFF2-40B4-BE49-F238E27FC236}">
+                <a16:creationId xmlns:a16="http://schemas.microsoft.com/office/drawing/2014/main" id="{CE796572-624D-18CC-26C0-0ADC76ED6608}"/>
+              </a:ext>
+            </a:extLst>
+          </p:cNvPr>
+          <p:cNvPicPr>
+            <a:picLocks noGrp="1" noChangeAspect="1"/>
+          </p:cNvPicPr>
+          <p:nvPr>
+            <p:ph idx="1"/>
+          </p:nvPr>
+        </p:nvPicPr>
+        <p:blipFill>
+          <a:blip r:embed="rId2"/>
+          <a:stretch>
+            <a:fillRect/>
+          </a:stretch>
+        </p:blipFill>
+        <p:spPr>
+          <a:xfrm>
+            <a:off x="2962466" y="2299806"/>
+            <a:ext cx="5292816" cy="2263050"/>
+          </a:xfrm>
+          <a:prstGeom prst="rect">
+            <a:avLst/>
+          </a:prstGeom>
+        </p:spPr>
+      </p:pic>
+    </p:spTree>
+    <p:extLst>
+      <p:ext uri="{BB962C8B-B14F-4D97-AF65-F5344CB8AC3E}">
+        <p14:creationId xmlns:p14="http://schemas.microsoft.com/office/powerpoint/2010/main" val="126677752"/>
+      </p:ext>
+    </p:extLst>
+  </p:cSld>
+  <p:clrMapOvr>
+    <a:masterClrMapping/>
+  </p:clrMapOvr>
+</p:sld>
+</file>
+
+<file path=ppt/slides/slide18.xml><?xml version="1.0" encoding="utf-8"?>
+<p:sld xmlns:a="http://schemas.openxmlformats.org/drawingml/2006/main" xmlns:r="http://schemas.openxmlformats.org/officeDocument/2006/relationships" xmlns:p="http://schemas.openxmlformats.org/presentationml/2006/main">
+  <p:cSld>
+    <p:spTree>
+      <p:nvGrpSpPr>
+        <p:cNvPr id="1" name=""/>
+        <p:cNvGrpSpPr/>
+        <p:nvPr/>
+      </p:nvGrpSpPr>
+      <p:grpSpPr>
+        <a:xfrm>
+          <a:off x="0" y="0"/>
+          <a:ext cx="0" cy="0"/>
+          <a:chOff x="0" y="0"/>
+          <a:chExt cx="0" cy="0"/>
+        </a:xfrm>
+      </p:grpSpPr>
+      <p:sp>
+        <p:nvSpPr>
+          <p:cNvPr id="2" name="Title 1">
+            <a:extLst>
+              <a:ext uri="{FF2B5EF4-FFF2-40B4-BE49-F238E27FC236}">
+                <a16:creationId xmlns:a16="http://schemas.microsoft.com/office/drawing/2014/main" id="{E0144BA2-013F-C4F4-865F-E16C27B07017}"/>
+              </a:ext>
+            </a:extLst>
+          </p:cNvPr>
+          <p:cNvSpPr>
+            <a:spLocks noGrp="1"/>
+          </p:cNvSpPr>
+          <p:nvPr>
+            <p:ph type="title"/>
+          </p:nvPr>
+        </p:nvSpPr>
+        <p:spPr/>
+        <p:txBody>
+          <a:bodyPr/>
+          <a:lstStyle/>
+          <a:p>
+            <a:r>
+              <a:rPr lang="en-US" dirty="0" err="1"/>
+              <a:t>Zaklju</a:t>
+            </a:r>
+            <a:r>
+              <a:rPr lang="sr-Latn-RS" dirty="0"/>
+              <a:t>čak</a:t>
+            </a:r>
+          </a:p>
+        </p:txBody>
+      </p:sp>
+      <p:sp>
+        <p:nvSpPr>
+          <p:cNvPr id="4" name="Rectangle 1">
+            <a:extLst>
+              <a:ext uri="{FF2B5EF4-FFF2-40B4-BE49-F238E27FC236}">
+                <a16:creationId xmlns:a16="http://schemas.microsoft.com/office/drawing/2014/main" id="{18E67070-B14F-4842-5856-57F45B797981}"/>
+              </a:ext>
+            </a:extLst>
+          </p:cNvPr>
+          <p:cNvSpPr>
+            <a:spLocks noGrp="1" noChangeArrowheads="1"/>
+          </p:cNvSpPr>
+          <p:nvPr>
+            <p:ph idx="1"/>
+          </p:nvPr>
+        </p:nvSpPr>
+        <p:spPr bwMode="auto">
+          <a:xfrm>
+            <a:off x="470101" y="1940920"/>
+            <a:ext cx="11251798" cy="3139321"/>
+          </a:xfrm>
+          <a:prstGeom prst="rect">
+            <a:avLst/>
+          </a:prstGeom>
+          <a:noFill/>
+          <a:ln>
+            <a:noFill/>
+          </a:ln>
+          <a:effectLst/>
+          <a:extLst>
+            <a:ext uri="{909E8E84-426E-40DD-AFC4-6F175D3DCCD1}">
+              <a14:hiddenFill xmlns:a14="http://schemas.microsoft.com/office/drawing/2010/main">
+                <a:solidFill>
+                  <a:schemeClr val="accent1"/>
+                </a:solidFill>
+              </a14:hiddenFill>
+            </a:ext>
+            <a:ext uri="{91240B29-F687-4F45-9708-019B960494DF}">
+              <a14:hiddenLine xmlns:a14="http://schemas.microsoft.com/office/drawing/2010/main" w="9525">
+                <a:solidFill>
+                  <a:schemeClr val="tx1"/>
+                </a:solidFill>
+                <a:miter lim="800000"/>
+                <a:headEnd/>
+                <a:tailEnd/>
+              </a14:hiddenLine>
+            </a:ext>
+            <a:ext uri="{AF507438-7753-43E0-B8FC-AC1667EBCBE1}">
+              <a14:hiddenEffects xmlns:a14="http://schemas.microsoft.com/office/drawing/2010/main">
+                <a:effectLst>
+                  <a:outerShdw dist="35921" dir="2700000" algn="ctr" rotWithShape="0">
+                    <a:schemeClr val="bg2"/>
+                  </a:outerShdw>
+                </a:effectLst>
+              </a14:hiddenEffects>
+            </a:ext>
+          </a:extLst>
+        </p:spPr>
+        <p:txBody>
+          <a:bodyPr vert="horz" wrap="none" lIns="91440" tIns="45720" rIns="91440" bIns="45720" numCol="1" anchor="ctr" anchorCtr="0" compatLnSpc="1">
+            <a:prstTxWarp prst="textNoShape">
+              <a:avLst/>
+            </a:prstTxWarp>
+            <a:spAutoFit/>
+          </a:bodyPr>
+          <a:lstStyle/>
+          <a:p>
+            <a:pPr defTabSz="914400" eaLnBrk="0" fontAlgn="base" hangingPunct="0">
+              <a:spcBef>
+                <a:spcPct val="0"/>
+              </a:spcBef>
+              <a:spcAft>
+                <a:spcPct val="0"/>
+              </a:spcAft>
+              <a:buClrTx/>
+              <a:buSzTx/>
+            </a:pPr>
+            <a:r>
+              <a:rPr kumimoji="0" lang="sr-Latn-RS" altLang="sr-Latn-RS" sz="1800" b="0" i="0" u="none" strike="noStrike" cap="none" normalizeH="0" baseline="0" dirty="0">
+                <a:ln>
+                  <a:noFill/>
+                </a:ln>
+                <a:solidFill>
+                  <a:schemeClr val="tx1"/>
+                </a:solidFill>
+                <a:effectLst/>
+                <a:latin typeface="Arial" panose="020B0604020202020204" pitchFamily="34" charset="0"/>
+              </a:rPr>
+              <a:t>InfluxDB 3 Enterprise omogućava skalabilno i otpornо skladištenje vremenskih serija podataka.</a:t>
+            </a:r>
+          </a:p>
+          <a:p>
+            <a:pPr defTabSz="914400" eaLnBrk="0" fontAlgn="base" hangingPunct="0">
+              <a:spcBef>
+                <a:spcPct val="0"/>
+              </a:spcBef>
+              <a:spcAft>
+                <a:spcPct val="0"/>
+              </a:spcAft>
+              <a:buClrTx/>
+              <a:buSzTx/>
+            </a:pPr>
+            <a:endParaRPr kumimoji="0" lang="sr-Latn-RS" altLang="sr-Latn-RS" sz="1800" b="0" i="0" u="none" strike="noStrike" cap="none" normalizeH="0" baseline="0" dirty="0">
+              <a:ln>
+                <a:noFill/>
+              </a:ln>
+              <a:solidFill>
+                <a:schemeClr val="tx1"/>
+              </a:solidFill>
+              <a:effectLst/>
+              <a:latin typeface="Arial" panose="020B0604020202020204" pitchFamily="34" charset="0"/>
+            </a:endParaRPr>
+          </a:p>
+          <a:p>
+            <a:pPr defTabSz="914400" eaLnBrk="0" fontAlgn="base" hangingPunct="0">
+              <a:spcBef>
+                <a:spcPct val="0"/>
+              </a:spcBef>
+              <a:spcAft>
+                <a:spcPct val="0"/>
+              </a:spcAft>
+              <a:buClrTx/>
+              <a:buSzTx/>
+            </a:pPr>
+            <a:r>
+              <a:rPr kumimoji="0" lang="sr-Latn-RS" altLang="sr-Latn-RS" sz="1800" b="0" i="0" u="none" strike="noStrike" cap="none" normalizeH="0" baseline="0" dirty="0">
+                <a:ln>
+                  <a:noFill/>
+                </a:ln>
+                <a:solidFill>
+                  <a:schemeClr val="tx1"/>
+                </a:solidFill>
+                <a:effectLst/>
+                <a:latin typeface="Arial" panose="020B0604020202020204" pitchFamily="34" charset="0"/>
+              </a:rPr>
+              <a:t>Podržava multi-node HA klastere sa read/write čvorovima i dedicated Compactor čvorovima.</a:t>
+            </a:r>
+          </a:p>
+          <a:p>
+            <a:pPr defTabSz="914400" eaLnBrk="0" fontAlgn="base" hangingPunct="0">
+              <a:spcBef>
+                <a:spcPct val="0"/>
+              </a:spcBef>
+              <a:spcAft>
+                <a:spcPct val="0"/>
+              </a:spcAft>
+              <a:buClrTx/>
+              <a:buSzTx/>
+            </a:pPr>
+            <a:endParaRPr kumimoji="0" lang="sr-Latn-RS" altLang="sr-Latn-RS" sz="1800" b="0" i="0" u="none" strike="noStrike" cap="none" normalizeH="0" baseline="0" dirty="0">
+              <a:ln>
+                <a:noFill/>
+              </a:ln>
+              <a:solidFill>
+                <a:schemeClr val="tx1"/>
+              </a:solidFill>
+              <a:effectLst/>
+              <a:latin typeface="Arial" panose="020B0604020202020204" pitchFamily="34" charset="0"/>
+            </a:endParaRPr>
+          </a:p>
+          <a:p>
+            <a:pPr defTabSz="914400" eaLnBrk="0" fontAlgn="base" hangingPunct="0">
+              <a:spcBef>
+                <a:spcPct val="0"/>
+              </a:spcBef>
+              <a:spcAft>
+                <a:spcPct val="0"/>
+              </a:spcAft>
+              <a:buClrTx/>
+              <a:buSzTx/>
+            </a:pPr>
+            <a:r>
+              <a:rPr kumimoji="0" lang="sr-Latn-RS" altLang="sr-Latn-RS" sz="1800" b="0" i="0" u="none" strike="noStrike" cap="none" normalizeH="0" baseline="0" dirty="0">
+                <a:ln>
+                  <a:noFill/>
+                </a:ln>
+                <a:solidFill>
+                  <a:schemeClr val="tx1"/>
+                </a:solidFill>
+                <a:effectLst/>
+                <a:latin typeface="Arial" panose="020B0604020202020204" pitchFamily="34" charset="0"/>
+              </a:rPr>
+              <a:t>Objekt skladište (S3/MinIO) omogućava pouzdano čuvanje podataka i jednostavnu distribuciju u klasteru.</a:t>
+            </a:r>
+          </a:p>
+          <a:p>
+            <a:pPr defTabSz="914400" eaLnBrk="0" fontAlgn="base" hangingPunct="0">
+              <a:spcBef>
+                <a:spcPct val="0"/>
+              </a:spcBef>
+              <a:spcAft>
+                <a:spcPct val="0"/>
+              </a:spcAft>
+              <a:buClrTx/>
+              <a:buSzTx/>
+            </a:pPr>
+            <a:endParaRPr kumimoji="0" lang="sr-Latn-RS" altLang="sr-Latn-RS" sz="1800" b="0" i="0" u="none" strike="noStrike" cap="none" normalizeH="0" baseline="0" dirty="0">
+              <a:ln>
+                <a:noFill/>
+              </a:ln>
+              <a:solidFill>
+                <a:schemeClr val="tx1"/>
+              </a:solidFill>
+              <a:effectLst/>
+              <a:latin typeface="Arial" panose="020B0604020202020204" pitchFamily="34" charset="0"/>
+            </a:endParaRPr>
+          </a:p>
+          <a:p>
+            <a:pPr defTabSz="914400" eaLnBrk="0" fontAlgn="base" hangingPunct="0">
+              <a:spcBef>
+                <a:spcPct val="0"/>
+              </a:spcBef>
+              <a:spcAft>
+                <a:spcPct val="0"/>
+              </a:spcAft>
+              <a:buClrTx/>
+              <a:buSzTx/>
+            </a:pPr>
+            <a:r>
+              <a:rPr kumimoji="0" lang="sr-Latn-RS" altLang="sr-Latn-RS" sz="1800" b="0" i="0" u="none" strike="noStrike" cap="none" normalizeH="0" baseline="0" dirty="0">
+                <a:ln>
+                  <a:noFill/>
+                </a:ln>
+                <a:solidFill>
+                  <a:schemeClr val="tx1"/>
+                </a:solidFill>
+                <a:effectLst/>
+                <a:latin typeface="Arial" panose="020B0604020202020204" pitchFamily="34" charset="0"/>
+              </a:rPr>
+              <a:t>Token-based autorizacija osigurava siguran pristup podacima i administrativnim funkcijama.</a:t>
+            </a:r>
+          </a:p>
+          <a:p>
+            <a:pPr defTabSz="914400" eaLnBrk="0" fontAlgn="base" hangingPunct="0">
+              <a:spcBef>
+                <a:spcPct val="0"/>
+              </a:spcBef>
+              <a:spcAft>
+                <a:spcPct val="0"/>
+              </a:spcAft>
+              <a:buClrTx/>
+              <a:buSzTx/>
+            </a:pPr>
+            <a:endParaRPr kumimoji="0" lang="sr-Latn-RS" altLang="sr-Latn-RS" sz="1800" b="0" i="0" u="none" strike="noStrike" cap="none" normalizeH="0" baseline="0" dirty="0">
+              <a:ln>
+                <a:noFill/>
+              </a:ln>
+              <a:solidFill>
+                <a:schemeClr val="tx1"/>
+              </a:solidFill>
+              <a:effectLst/>
+              <a:latin typeface="Arial" panose="020B0604020202020204" pitchFamily="34" charset="0"/>
+            </a:endParaRPr>
+          </a:p>
+          <a:p>
+            <a:pPr defTabSz="914400" eaLnBrk="0" fontAlgn="base" hangingPunct="0">
+              <a:spcBef>
+                <a:spcPct val="0"/>
+              </a:spcBef>
+              <a:spcAft>
+                <a:spcPct val="0"/>
+              </a:spcAft>
+              <a:buClrTx/>
+              <a:buSzTx/>
+            </a:pPr>
+            <a:r>
+              <a:rPr kumimoji="0" lang="sr-Latn-RS" altLang="sr-Latn-RS" sz="1800" b="0" i="0" u="none" strike="noStrike" cap="none" normalizeH="0" baseline="0" dirty="0">
+                <a:ln>
+                  <a:noFill/>
+                </a:ln>
+                <a:solidFill>
+                  <a:schemeClr val="tx1"/>
+                </a:solidFill>
+                <a:effectLst/>
+                <a:latin typeface="Arial" panose="020B0604020202020204" pitchFamily="34" charset="0"/>
+              </a:rPr>
+              <a:t>Workload isolation i raspodela modova čvorova povećavaju performanse i stabilnost sistema.</a:t>
+            </a:r>
+          </a:p>
+          <a:p>
+            <a:pPr defTabSz="914400" eaLnBrk="0" fontAlgn="base" hangingPunct="0">
+              <a:spcBef>
+                <a:spcPct val="0"/>
+              </a:spcBef>
+              <a:spcAft>
+                <a:spcPct val="0"/>
+              </a:spcAft>
+              <a:buClrTx/>
+              <a:buSzTx/>
+            </a:pPr>
+            <a:endParaRPr kumimoji="0" lang="sr-Latn-RS" altLang="sr-Latn-RS" sz="1800" b="0" i="0" u="none" strike="noStrike" cap="none" normalizeH="0" baseline="0" dirty="0">
+              <a:ln>
+                <a:noFill/>
+              </a:ln>
+              <a:solidFill>
+                <a:schemeClr val="tx1"/>
+              </a:solidFill>
+              <a:effectLst/>
+              <a:latin typeface="Arial" panose="020B0604020202020204" pitchFamily="34" charset="0"/>
+            </a:endParaRPr>
+          </a:p>
+          <a:p>
+            <a:pPr defTabSz="914400" eaLnBrk="0" fontAlgn="base" hangingPunct="0">
+              <a:spcBef>
+                <a:spcPct val="0"/>
+              </a:spcBef>
+              <a:spcAft>
+                <a:spcPct val="0"/>
+              </a:spcAft>
+              <a:buClrTx/>
+              <a:buSzTx/>
+            </a:pPr>
+            <a:r>
+              <a:rPr kumimoji="0" lang="sr-Latn-RS" altLang="sr-Latn-RS" sz="1800" b="0" i="0" u="none" strike="noStrike" cap="none" normalizeH="0" baseline="0" dirty="0">
+                <a:ln>
+                  <a:noFill/>
+                </a:ln>
+                <a:solidFill>
+                  <a:schemeClr val="tx1"/>
+                </a:solidFill>
+                <a:effectLst/>
+                <a:latin typeface="Arial" panose="020B0604020202020204" pitchFamily="34" charset="0"/>
+              </a:rPr>
+              <a:t>Idealno za real-time monitoring, nadzor senzora, mreže, aplikacija i analitiku.</a:t>
+            </a:r>
+          </a:p>
+        </p:txBody>
+      </p:sp>
+    </p:spTree>
+    <p:extLst>
+      <p:ext uri="{BB962C8B-B14F-4D97-AF65-F5344CB8AC3E}">
+        <p14:creationId xmlns:p14="http://schemas.microsoft.com/office/powerpoint/2010/main" val="3578051852"/>
+      </p:ext>
+    </p:extLst>
+  </p:cSld>
+  <p:clrMapOvr>
+    <a:masterClrMapping/>
+  </p:clrMapOvr>
+</p:sld>
+</file>
+
+<file path=ppt/slides/slide19.xml><?xml version="1.0" encoding="utf-8"?>
+<p:sld xmlns:a="http://schemas.openxmlformats.org/drawingml/2006/main" xmlns:r="http://schemas.openxmlformats.org/officeDocument/2006/relationships" xmlns:p="http://schemas.openxmlformats.org/presentationml/2006/main">
+  <p:cSld>
+    <p:spTree>
+      <p:nvGrpSpPr>
+        <p:cNvPr id="1" name=""/>
+        <p:cNvGrpSpPr/>
+        <p:nvPr/>
+      </p:nvGrpSpPr>
+      <p:grpSpPr>
+        <a:xfrm>
+          <a:off x="0" y="0"/>
+          <a:ext cx="0" cy="0"/>
+          <a:chOff x="0" y="0"/>
+          <a:chExt cx="0" cy="0"/>
+        </a:xfrm>
+      </p:grpSpPr>
+      <p:sp>
+        <p:nvSpPr>
+          <p:cNvPr id="2" name="Title 1">
+            <a:extLst>
+              <a:ext uri="{FF2B5EF4-FFF2-40B4-BE49-F238E27FC236}">
+                <a16:creationId xmlns:a16="http://schemas.microsoft.com/office/drawing/2014/main" id="{017F0244-BAC6-D323-A85F-01139841189A}"/>
+              </a:ext>
+            </a:extLst>
+          </p:cNvPr>
+          <p:cNvSpPr>
+            <a:spLocks noGrp="1"/>
+          </p:cNvSpPr>
+          <p:nvPr>
+            <p:ph type="title"/>
+          </p:nvPr>
+        </p:nvSpPr>
+        <p:spPr>
+          <a:xfrm>
+            <a:off x="1" y="3078867"/>
+            <a:ext cx="12191999" cy="700265"/>
+          </a:xfrm>
+        </p:spPr>
+        <p:txBody>
+          <a:bodyPr/>
+          <a:lstStyle/>
+          <a:p>
+            <a:pPr algn="ctr"/>
+            <a:r>
+              <a:rPr lang="en-US" sz="6600" dirty="0"/>
+              <a:t>Hvala </a:t>
+            </a:r>
+            <a:r>
+              <a:rPr lang="en-US" sz="6600" dirty="0" err="1"/>
+              <a:t>na</a:t>
+            </a:r>
+            <a:r>
+              <a:rPr lang="en-US" sz="6600" dirty="0"/>
+              <a:t> pa</a:t>
+            </a:r>
+            <a:r>
+              <a:rPr lang="sr-Latn-RS" sz="6600" dirty="0"/>
+              <a:t>žnji </a:t>
+            </a:r>
+            <a:r>
+              <a:rPr lang="sr-Latn-RS" sz="6600" dirty="0">
+                <a:sym typeface="Wingdings" panose="05000000000000000000" pitchFamily="2" charset="2"/>
+              </a:rPr>
+              <a:t></a:t>
+            </a:r>
+            <a:endParaRPr lang="sr-Latn-RS" sz="6600" dirty="0"/>
+          </a:p>
+        </p:txBody>
+      </p:sp>
+    </p:spTree>
+    <p:extLst>
+      <p:ext uri="{BB962C8B-B14F-4D97-AF65-F5344CB8AC3E}">
+        <p14:creationId xmlns:p14="http://schemas.microsoft.com/office/powerpoint/2010/main" val="463366966"/>
+      </p:ext>
+    </p:extLst>
+  </p:cSld>
+  <p:clrMapOvr>
+    <a:masterClrMapping/>
+  </p:clrMapOvr>
+</p:sld>
+</file>
+
 <file path=ppt/slides/slide2.xml><?xml version="1.0" encoding="utf-8"?>
 <p:sld xmlns:a="http://schemas.openxmlformats.org/drawingml/2006/main" xmlns:r="http://schemas.openxmlformats.org/officeDocument/2006/relationships" xmlns:p="http://schemas.openxmlformats.org/presentationml/2006/main">
   <p:cSld>
@@ -6813,7 +8658,7 @@
           <p:cNvPr id="2" name="Title 1">
             <a:extLst>
               <a:ext uri="{FF2B5EF4-FFF2-40B4-BE49-F238E27FC236}">
-                <a16:creationId xmlns:a16="http://schemas.microsoft.com/office/drawing/2014/main" id="{45B78E72-C2FB-2C58-B7D7-C0FAE9E6E4BF}"/>
+                <a16:creationId xmlns:a16="http://schemas.microsoft.com/office/drawing/2014/main" id="{2AFAC4FF-5438-B91D-65DA-3D8336EA8AD9}"/>
               </a:ext>
             </a:extLst>
           </p:cNvPr>
@@ -6831,7 +8676,7 @@
           <a:p>
             <a:r>
               <a:rPr lang="sr-Latn-RS" dirty="0"/>
-              <a:t>InfluxDB 3 Core</a:t>
+              <a:t>InfluxDB 3 Enterprise</a:t>
             </a:r>
           </a:p>
         </p:txBody>
@@ -6841,7 +8686,7 @@
           <p:cNvPr id="3" name="Content Placeholder 2">
             <a:extLst>
               <a:ext uri="{FF2B5EF4-FFF2-40B4-BE49-F238E27FC236}">
-                <a16:creationId xmlns:a16="http://schemas.microsoft.com/office/drawing/2014/main" id="{AD4B9BBE-0B98-214B-2712-851DA1C2A98B}"/>
+                <a16:creationId xmlns:a16="http://schemas.microsoft.com/office/drawing/2014/main" id="{8E8F764A-BE6D-D91D-59BE-3E636FE0A7C2}"/>
               </a:ext>
             </a:extLst>
           </p:cNvPr>
@@ -6852,21 +8697,17 @@
             <p:ph idx="1"/>
           </p:nvPr>
         </p:nvSpPr>
-        <p:spPr>
-          <a:xfrm>
-            <a:off x="646111" y="1152983"/>
-            <a:ext cx="9776356" cy="5046132"/>
-          </a:xfrm>
-        </p:spPr>
+        <p:spPr/>
         <p:txBody>
           <a:bodyPr>
-            <a:normAutofit/>
+            <a:normAutofit fontScale="85000" lnSpcReduction="20000"/>
           </a:bodyPr>
           <a:lstStyle/>
           <a:p>
+            <a:pPr algn="just"/>
             <a:r>
               <a:rPr lang="sr-Latn-RS" dirty="0"/>
-              <a:t>InfluxDB 3 Core je baza podataka kreirana za prikupljanje, obradu, transformaciju i čuvanje događaja i vremenskih serija podataka, i idealna je za slučajeve upotrebe koji zahtevaju obradu podataka u realnom vremenu i brze odgovore na upite radi izgradnje korisničkih interfejsa, nadzora i automatizovanih rešenja.</a:t>
+              <a:t>InfluxDB 3 Enterprise je baza podataka izgrađena za prikupljanje, obradu, transformaciju i skladištenje događaja i vremenskih serija podataka. Idealna je za slučajeve upotrebe koji zahtevaju unos podataka u realnom vremenu i brze odgovore na upite za potrebe izrade korisničkih interfejsa, nadzora i rešenja za automatizaciju.</a:t>
             </a:r>
           </a:p>
           <a:p>
@@ -6875,14 +8716,17 @@
           <a:p>
             <a:r>
               <a:rPr lang="sr-Latn-RS" dirty="0"/>
-              <a:t> Uobičajeni slučajevi upotrebe uključuju:</a:t>
-            </a:r>
+              <a:t>Uobičajeni slučajevi upotrebe uključuju:</a:t>
+            </a:r>
+          </a:p>
+          <a:p>
+            <a:endParaRPr lang="sr-Latn-RS" dirty="0"/>
           </a:p>
           <a:p>
             <a:pPr lvl="1"/>
             <a:r>
               <a:rPr lang="sr-Latn-RS" dirty="0"/>
-              <a:t>Praćenje podataka sa senzora</a:t>
+              <a:t>Nadzor podataka sa senzora</a:t>
             </a:r>
           </a:p>
           <a:p>
@@ -6896,7 +8740,7 @@
             <a:pPr lvl="1"/>
             <a:r>
               <a:rPr lang="sr-Latn-RS" dirty="0"/>
-              <a:t>Praćenje performansi aplikacija</a:t>
+              <a:t>Nadzor performansi aplikacija</a:t>
             </a:r>
           </a:p>
           <a:p>
@@ -6910,14 +8754,14 @@
             <a:pPr lvl="1"/>
             <a:r>
               <a:rPr lang="sr-Latn-RS" dirty="0"/>
-              <a:t>Analitiku finansijskih tržišta i trgovanja</a:t>
+              <a:t>Analitiku finansijskog tržišta i trgovanja</a:t>
             </a:r>
           </a:p>
           <a:p>
             <a:pPr lvl="1"/>
             <a:r>
               <a:rPr lang="sr-Latn-RS" dirty="0"/>
-              <a:t>Analitiku ponašanja korisnika</a:t>
+              <a:t>Bihejvioralnu analitiku</a:t>
             </a:r>
           </a:p>
           <a:p>
@@ -6928,7 +8772,7 @@
     </p:spTree>
     <p:extLst>
       <p:ext uri="{BB962C8B-B14F-4D97-AF65-F5344CB8AC3E}">
-        <p14:creationId xmlns:p14="http://schemas.microsoft.com/office/powerpoint/2010/main" val="2966428593"/>
+        <p14:creationId xmlns:p14="http://schemas.microsoft.com/office/powerpoint/2010/main" val="1620443597"/>
       </p:ext>
     </p:extLst>
   </p:cSld>
@@ -6960,7 +8804,7 @@
           <p:cNvPr id="2" name="Title 1">
             <a:extLst>
               <a:ext uri="{FF2B5EF4-FFF2-40B4-BE49-F238E27FC236}">
-                <a16:creationId xmlns:a16="http://schemas.microsoft.com/office/drawing/2014/main" id="{89D73DD7-59BD-51B8-4356-E2CA1B3377B9}"/>
+                <a16:creationId xmlns:a16="http://schemas.microsoft.com/office/drawing/2014/main" id="{2CB3023C-1F36-18A8-13A2-307CED59A90B}"/>
               </a:ext>
             </a:extLst>
           </p:cNvPr>
@@ -6982,10 +8826,10 @@
       </p:sp>
       <p:pic>
         <p:nvPicPr>
-          <p:cNvPr id="5" name="Content Placeholder 4" descr="A diagram of a cloud&#10;&#10;AI-generated content may be incorrect.">
+          <p:cNvPr id="4" name="Content Placeholder 3" descr="A diagram of a cloud&#10;&#10;AI-generated content may be incorrect.">
             <a:extLst>
               <a:ext uri="{FF2B5EF4-FFF2-40B4-BE49-F238E27FC236}">
-                <a16:creationId xmlns:a16="http://schemas.microsoft.com/office/drawing/2014/main" id="{3F83E35D-4710-8B7D-2C12-3EE0C7918EC9}"/>
+                <a16:creationId xmlns:a16="http://schemas.microsoft.com/office/drawing/2014/main" id="{662212F7-572B-8CC9-EF11-EC69E5457CA8}"/>
               </a:ext>
             </a:extLst>
           </p:cNvPr>
@@ -7004,21 +8848,31 @@
               </a:ext>
             </a:extLst>
           </a:blip>
+          <a:srcRect/>
           <a:stretch>
             <a:fillRect/>
           </a:stretch>
         </p:blipFill>
-        <p:spPr>
+        <p:spPr bwMode="auto">
           <a:xfrm>
-            <a:off x="0" y="-1"/>
-            <a:ext cx="12184809" cy="6858001"/>
+            <a:off x="0" y="0"/>
+            <a:ext cx="12192000" cy="6858000"/>
           </a:xfrm>
+          <a:prstGeom prst="rect">
+            <a:avLst/>
+          </a:prstGeom>
+          <a:noFill/>
+          <a:ln>
+            <a:solidFill>
+              <a:schemeClr val="tx1"/>
+            </a:solidFill>
+          </a:ln>
         </p:spPr>
       </p:pic>
     </p:spTree>
     <p:extLst>
       <p:ext uri="{BB962C8B-B14F-4D97-AF65-F5344CB8AC3E}">
-        <p14:creationId xmlns:p14="http://schemas.microsoft.com/office/powerpoint/2010/main" val="3621645406"/>
+        <p14:creationId xmlns:p14="http://schemas.microsoft.com/office/powerpoint/2010/main" val="528644277"/>
       </p:ext>
     </p:extLst>
   </p:cSld>
@@ -7050,7 +8904,7 @@
           <p:cNvPr id="2" name="Title 1">
             <a:extLst>
               <a:ext uri="{FF2B5EF4-FFF2-40B4-BE49-F238E27FC236}">
-                <a16:creationId xmlns:a16="http://schemas.microsoft.com/office/drawing/2014/main" id="{25BE1971-8AD9-714E-EC92-93A9D011B33F}"/>
+                <a16:creationId xmlns:a16="http://schemas.microsoft.com/office/drawing/2014/main" id="{6EB32815-D630-E21D-A2A8-EDA2B5594D5A}"/>
               </a:ext>
             </a:extLst>
           </p:cNvPr>
@@ -7067,9 +8921,14 @@
           <a:lstStyle/>
           <a:p>
             <a:r>
-              <a:rPr lang="sr-Latn-RS" dirty="0"/>
-              <a:t>Organizacija podataka</a:t>
-            </a:r>
+              <a:rPr lang="en-US" dirty="0"/>
+              <a:t>Model </a:t>
+            </a:r>
+            <a:r>
+              <a:rPr lang="en-US" dirty="0" err="1"/>
+              <a:t>podataka</a:t>
+            </a:r>
+            <a:endParaRPr lang="sr-Latn-RS" dirty="0"/>
           </a:p>
         </p:txBody>
       </p:sp>
@@ -7078,7 +8937,7 @@
           <p:cNvPr id="3" name="Content Placeholder 2">
             <a:extLst>
               <a:ext uri="{FF2B5EF4-FFF2-40B4-BE49-F238E27FC236}">
-                <a16:creationId xmlns:a16="http://schemas.microsoft.com/office/drawing/2014/main" id="{25B4F7C2-2353-C445-AC71-99F893AE0CCA}"/>
+                <a16:creationId xmlns:a16="http://schemas.microsoft.com/office/drawing/2014/main" id="{57102CBE-6CE2-5D5E-A9CA-6595737BC29B}"/>
               </a:ext>
             </a:extLst>
           </p:cNvPr>
@@ -7089,14 +8948,54 @@
             <p:ph idx="1"/>
           </p:nvPr>
         </p:nvSpPr>
-        <p:spPr/>
-        <p:txBody>
-          <a:bodyPr/>
+        <p:spPr>
+          <a:xfrm>
+            <a:off x="645130" y="1316736"/>
+            <a:ext cx="10501406" cy="5184648"/>
+          </a:xfrm>
+        </p:spPr>
+        <p:txBody>
+          <a:bodyPr>
+            <a:normAutofit fontScale="85000" lnSpcReduction="20000"/>
+          </a:bodyPr>
           <a:lstStyle/>
           <a:p>
             <a:r>
               <a:rPr lang="sr-Latn-RS" dirty="0"/>
-              <a:t>InfluxDB 3 Core model podataka organizuje vremenske serije u baze podataka i tabele. Jedna baza podataka može da sadrži više tabela. Tabele sadrže više tagova i polja.</a:t>
+              <a:t>InfluxDB 3 Enterprise server sadrži logičke baze podataka; baze podataka sadrže tabele; a tabele se sastoje od kolona.</a:t>
+            </a:r>
+          </a:p>
+          <a:p>
+            <a:endParaRPr lang="sr-Latn-RS" dirty="0"/>
+          </a:p>
+          <a:p>
+            <a:r>
+              <a:rPr lang="sr-Latn-RS" dirty="0"/>
+              <a:t>U poređenju sa prethodnim verzijama InfluxDB-a, baza podataka se može posmatrati kao </a:t>
+            </a:r>
+            <a:r>
+              <a:rPr lang="sr-Latn-RS" i="1" dirty="0"/>
+              <a:t>InfluxDB v2 bucket</a:t>
+            </a:r>
+            <a:r>
+              <a:rPr lang="sr-Latn-RS" dirty="0"/>
+              <a:t> u verziji 2 ili kao </a:t>
+            </a:r>
+            <a:r>
+              <a:rPr lang="sr-Latn-RS" i="1" dirty="0"/>
+              <a:t>InfluxDB v1 db/retention_policy</a:t>
+            </a:r>
+            <a:r>
+              <a:rPr lang="sr-Latn-RS" dirty="0"/>
+              <a:t>. Tabela je ekvivalentna </a:t>
+            </a:r>
+            <a:r>
+              <a:rPr lang="sr-Latn-RS" i="1" dirty="0"/>
+              <a:t>measurement</a:t>
+            </a:r>
+            <a:r>
+              <a:rPr lang="sr-Latn-RS" dirty="0"/>
+              <a:t> u InfluxDB v1 i v2.</a:t>
             </a:r>
           </a:p>
           <a:p>
@@ -7109,22 +9008,136 @@
             </a:r>
           </a:p>
           <a:p>
+            <a:r>
+              <a:rPr lang="sr-Latn-RS" dirty="0"/>
+              <a:t>Kolone u tabeli predstavljaju vreme, tagovi (</a:t>
+            </a:r>
+            <a:r>
+              <a:rPr lang="sr-Latn-RS" i="1" dirty="0"/>
+              <a:t>tags</a:t>
+            </a:r>
+            <a:r>
+              <a:rPr lang="sr-Latn-RS" dirty="0"/>
+              <a:t>) i polja (</a:t>
+            </a:r>
+            <a:r>
+              <a:rPr lang="sr-Latn-RS" i="1" dirty="0"/>
+              <a:t>fields</a:t>
+            </a:r>
+            <a:r>
+              <a:rPr lang="sr-Latn-RS" dirty="0"/>
+              <a:t>). Kolone mogu biti sledećih tipova:</a:t>
+            </a:r>
+          </a:p>
+          <a:p>
+            <a:pPr marL="0" indent="0">
+              <a:buNone/>
+            </a:pPr>
+            <a:endParaRPr lang="sr-Latn-RS" dirty="0"/>
+          </a:p>
+          <a:p>
             <a:pPr lvl="0"/>
             <a:r>
-              <a:rPr lang="sr-Latn-RS" b="1" dirty="0"/>
-              <a:t>Baza podataka (Database):</a:t>
-            </a:r>
-            <a:r>
               <a:rPr lang="sr-Latn-RS" dirty="0"/>
-              <a:t> Imenovana lokacija gde se čuvaju podaci vremenskih serija. U InfluxDB 3 Core, baza podataka je sinonim za </a:t>
+              <a:t>String dictionary (</a:t>
             </a:r>
             <a:r>
               <a:rPr lang="sr-Latn-RS" i="1" dirty="0"/>
-              <a:t>bucket</a:t>
+              <a:t>tag</a:t>
             </a:r>
             <a:r>
               <a:rPr lang="sr-Latn-RS" dirty="0"/>
-              <a:t> u InfluxDB Cloud Serverless i InfluxDB TSM implementacijama.</a:t>
+              <a:t>)</a:t>
+            </a:r>
+          </a:p>
+          <a:p>
+            <a:pPr lvl="0"/>
+            <a:r>
+              <a:rPr lang="sr-Latn-RS" dirty="0"/>
+              <a:t>int64 (</a:t>
+            </a:r>
+            <a:r>
+              <a:rPr lang="sr-Latn-RS" i="1" dirty="0"/>
+              <a:t>field</a:t>
+            </a:r>
+            <a:r>
+              <a:rPr lang="sr-Latn-RS" dirty="0"/>
+              <a:t>)</a:t>
+            </a:r>
+          </a:p>
+          <a:p>
+            <a:pPr lvl="0"/>
+            <a:r>
+              <a:rPr lang="sr-Latn-RS" dirty="0"/>
+              <a:t>float64 (</a:t>
+            </a:r>
+            <a:r>
+              <a:rPr lang="sr-Latn-RS" i="1" dirty="0"/>
+              <a:t>field</a:t>
+            </a:r>
+            <a:r>
+              <a:rPr lang="sr-Latn-RS" dirty="0"/>
+              <a:t>)</a:t>
+            </a:r>
+          </a:p>
+          <a:p>
+            <a:pPr lvl="0"/>
+            <a:r>
+              <a:rPr lang="sr-Latn-RS" dirty="0"/>
+              <a:t>uint64 (</a:t>
+            </a:r>
+            <a:r>
+              <a:rPr lang="sr-Latn-RS" i="1" dirty="0"/>
+              <a:t>field</a:t>
+            </a:r>
+            <a:r>
+              <a:rPr lang="sr-Latn-RS" dirty="0"/>
+              <a:t>)</a:t>
+            </a:r>
+          </a:p>
+          <a:p>
+            <a:pPr lvl="0"/>
+            <a:r>
+              <a:rPr lang="sr-Latn-RS" dirty="0"/>
+              <a:t>bool (</a:t>
+            </a:r>
+            <a:r>
+              <a:rPr lang="sr-Latn-RS" i="1" dirty="0"/>
+              <a:t>field</a:t>
+            </a:r>
+            <a:r>
+              <a:rPr lang="sr-Latn-RS" dirty="0"/>
+              <a:t>)</a:t>
+            </a:r>
+          </a:p>
+          <a:p>
+            <a:pPr lvl="0"/>
+            <a:r>
+              <a:rPr lang="sr-Latn-RS" dirty="0"/>
+              <a:t>string (</a:t>
+            </a:r>
+            <a:r>
+              <a:rPr lang="sr-Latn-RS" i="1" dirty="0"/>
+              <a:t>field</a:t>
+            </a:r>
+            <a:r>
+              <a:rPr lang="sr-Latn-RS" dirty="0"/>
+              <a:t>)</a:t>
+            </a:r>
+          </a:p>
+          <a:p>
+            <a:pPr lvl="0"/>
+            <a:r>
+              <a:rPr lang="sr-Latn-RS" dirty="0"/>
+              <a:t>time (</a:t>
+            </a:r>
+            <a:r>
+              <a:rPr lang="sr-Latn-RS" i="1" dirty="0"/>
+              <a:t>time sa nanosekundskom preciznošću</a:t>
+            </a:r>
+            <a:r>
+              <a:rPr lang="sr-Latn-RS" dirty="0"/>
+              <a:t>)</a:t>
             </a:r>
           </a:p>
           <a:p>
@@ -7135,7 +9148,7 @@
     </p:spTree>
     <p:extLst>
       <p:ext uri="{BB962C8B-B14F-4D97-AF65-F5344CB8AC3E}">
-        <p14:creationId xmlns:p14="http://schemas.microsoft.com/office/powerpoint/2010/main" val="4039011583"/>
+        <p14:creationId xmlns:p14="http://schemas.microsoft.com/office/powerpoint/2010/main" val="2836314664"/>
       </p:ext>
     </p:extLst>
   </p:cSld>
@@ -7146,198 +9159,6 @@
 </file>
 
 <file path=ppt/slides/slide6.xml><?xml version="1.0" encoding="utf-8"?>
-<p:sld xmlns:a="http://schemas.openxmlformats.org/drawingml/2006/main" xmlns:r="http://schemas.openxmlformats.org/officeDocument/2006/relationships" xmlns:p="http://schemas.openxmlformats.org/presentationml/2006/main">
-  <p:cSld>
-    <p:spTree>
-      <p:nvGrpSpPr>
-        <p:cNvPr id="1" name=""/>
-        <p:cNvGrpSpPr/>
-        <p:nvPr/>
-      </p:nvGrpSpPr>
-      <p:grpSpPr>
-        <a:xfrm>
-          <a:off x="0" y="0"/>
-          <a:ext cx="0" cy="0"/>
-          <a:chOff x="0" y="0"/>
-          <a:chExt cx="0" cy="0"/>
-        </a:xfrm>
-      </p:grpSpPr>
-      <p:sp>
-        <p:nvSpPr>
-          <p:cNvPr id="2" name="Title 1">
-            <a:extLst>
-              <a:ext uri="{FF2B5EF4-FFF2-40B4-BE49-F238E27FC236}">
-                <a16:creationId xmlns:a16="http://schemas.microsoft.com/office/drawing/2014/main" id="{2B0C6D82-D46B-2FAB-81BF-279790E576DE}"/>
-              </a:ext>
-            </a:extLst>
-          </p:cNvPr>
-          <p:cNvSpPr>
-            <a:spLocks noGrp="1"/>
-          </p:cNvSpPr>
-          <p:nvPr>
-            <p:ph type="title"/>
-          </p:nvPr>
-        </p:nvSpPr>
-        <p:spPr/>
-        <p:txBody>
-          <a:bodyPr/>
-          <a:lstStyle/>
-          <a:p>
-            <a:r>
-              <a:rPr lang="sr-Latn-RS" dirty="0"/>
-              <a:t>Organizacija podataka - nastavak</a:t>
-            </a:r>
-          </a:p>
-        </p:txBody>
-      </p:sp>
-      <p:sp>
-        <p:nvSpPr>
-          <p:cNvPr id="3" name="Content Placeholder 2">
-            <a:extLst>
-              <a:ext uri="{FF2B5EF4-FFF2-40B4-BE49-F238E27FC236}">
-                <a16:creationId xmlns:a16="http://schemas.microsoft.com/office/drawing/2014/main" id="{B2B56A09-4653-3D5E-3C31-81F270F3F150}"/>
-              </a:ext>
-            </a:extLst>
-          </p:cNvPr>
-          <p:cNvSpPr>
-            <a:spLocks noGrp="1"/>
-          </p:cNvSpPr>
-          <p:nvPr>
-            <p:ph idx="1"/>
-          </p:nvPr>
-        </p:nvSpPr>
-        <p:spPr>
-          <a:xfrm>
-            <a:off x="645130" y="2052918"/>
-            <a:ext cx="9828137" cy="4195481"/>
-          </a:xfrm>
-        </p:spPr>
-        <p:txBody>
-          <a:bodyPr>
-            <a:normAutofit fontScale="85000" lnSpcReduction="20000"/>
-          </a:bodyPr>
-          <a:lstStyle/>
-          <a:p>
-            <a:r>
-              <a:rPr lang="sr-Latn-RS" dirty="0"/>
-              <a:t>Jedna baza podataka može da sadrži više tabela.</a:t>
-            </a:r>
-          </a:p>
-          <a:p>
-            <a:pPr marL="0" indent="0">
-              <a:buNone/>
-            </a:pPr>
-            <a:endParaRPr lang="sr-Latn-RS" dirty="0"/>
-          </a:p>
-          <a:p>
-            <a:pPr lvl="0"/>
-            <a:r>
-              <a:rPr lang="sr-Latn-RS" b="1" dirty="0"/>
-              <a:t>Tabela (Table):</a:t>
-            </a:r>
-            <a:r>
-              <a:rPr lang="sr-Latn-RS" dirty="0"/>
-              <a:t> Logička grupa za podatke vremenskih serija. U InfluxDB 3 Core, tabela je sinonim za </a:t>
-            </a:r>
-            <a:r>
-              <a:rPr lang="sr-Latn-RS" i="1" dirty="0"/>
-              <a:t>measurement</a:t>
-            </a:r>
-            <a:r>
-              <a:rPr lang="sr-Latn-RS" dirty="0"/>
-              <a:t> u InfluxDB Cloud Serverless i InfluxDB TSM implementacijama. Sve tačke u jednoj tabeli treba da imaju iste tagove. Tabela sadrži više tagova i polja.</a:t>
-            </a:r>
-          </a:p>
-          <a:p>
-            <a:r>
-              <a:rPr lang="sr-Latn-RS" dirty="0"/>
-              <a:t> </a:t>
-            </a:r>
-          </a:p>
-          <a:p>
-            <a:pPr lvl="1"/>
-            <a:r>
-              <a:rPr lang="sr-Latn-RS" b="1" dirty="0"/>
-              <a:t>Tagovi:</a:t>
-            </a:r>
-            <a:r>
-              <a:rPr lang="sr-Latn-RS" dirty="0"/>
-              <a:t> Ključ–vrednost parovi koji čuvaju string metapodatke za svaku tačku – na primer, vrednost koja identifikuje ili razlikuje izvor podataka ili kontekst, kao što su host, lokacija, stanica itd. Vrednosti tagova mogu biti </a:t>
-            </a:r>
-            <a:r>
-              <a:rPr lang="sr-Latn-RS" i="1" dirty="0"/>
-              <a:t>null</a:t>
-            </a:r>
-            <a:r>
-              <a:rPr lang="sr-Latn-RS" dirty="0"/>
-              <a:t>.</a:t>
-            </a:r>
-          </a:p>
-          <a:p>
-            <a:pPr lvl="1"/>
-            <a:r>
-              <a:rPr lang="sr-Latn-RS" b="1" dirty="0"/>
-              <a:t>Polja:</a:t>
-            </a:r>
-            <a:r>
-              <a:rPr lang="sr-Latn-RS" dirty="0"/>
-              <a:t> Ključ–vrednost parovi koji čuvaju same podatke za svaku tačku – na primer, temperaturu, pritisak, cenu akcije itd. Vrednosti polja mogu biti </a:t>
-            </a:r>
-            <a:r>
-              <a:rPr lang="sr-Latn-RS" i="1" dirty="0"/>
-              <a:t>null</a:t>
-            </a:r>
-            <a:r>
-              <a:rPr lang="sr-Latn-RS" dirty="0"/>
-              <a:t>, ali bar jedno polje u svakom redu mora imati vrednost koja nije </a:t>
-            </a:r>
-            <a:r>
-              <a:rPr lang="sr-Latn-RS" i="1" dirty="0"/>
-              <a:t>null</a:t>
-            </a:r>
-            <a:r>
-              <a:rPr lang="sr-Latn-RS" dirty="0"/>
-              <a:t>.</a:t>
-            </a:r>
-          </a:p>
-          <a:p>
-            <a:pPr lvl="1"/>
-            <a:r>
-              <a:rPr lang="sr-Latn-RS" b="1" dirty="0"/>
-              <a:t>Vremenska oznaka (Timestamp):</a:t>
-            </a:r>
-            <a:r>
-              <a:rPr lang="sr-Latn-RS" dirty="0"/>
-              <a:t> Vremenska oznaka povezana sa podacima. Kada se čuvaju na disku i kada se upituju, svi podaci su poređani po vremenu. U InfluxDB, vremenska oznaka je Unix timestamp u UTC formatu sa preciznošću na nanosekund. Vremenska oznaka nikada nije </a:t>
-            </a:r>
-            <a:r>
-              <a:rPr lang="sr-Latn-RS" i="1" dirty="0"/>
-              <a:t>null</a:t>
-            </a:r>
-            <a:r>
-              <a:rPr lang="sr-Latn-RS" dirty="0"/>
-              <a:t>.</a:t>
-            </a:r>
-          </a:p>
-          <a:p>
-            <a:endParaRPr lang="sr-Latn-RS" dirty="0"/>
-          </a:p>
-        </p:txBody>
-      </p:sp>
-    </p:spTree>
-    <p:extLst>
-      <p:ext uri="{BB962C8B-B14F-4D97-AF65-F5344CB8AC3E}">
-        <p14:creationId xmlns:p14="http://schemas.microsoft.com/office/powerpoint/2010/main" val="4053648452"/>
-      </p:ext>
-    </p:extLst>
-  </p:cSld>
-  <p:clrMapOvr>
-    <a:masterClrMapping/>
-  </p:clrMapOvr>
-</p:sld>
-</file>
-
-<file path=ppt/slides/slide7.xml><?xml version="1.0" encoding="utf-8"?>
 <p:sld xmlns:a="http://schemas.openxmlformats.org/drawingml/2006/main" xmlns:r="http://schemas.openxmlformats.org/officeDocument/2006/relationships" xmlns:p="http://schemas.openxmlformats.org/presentationml/2006/main">
   <p:cSld>
     <p:spTree>
@@ -7460,6 +9281,183 @@
 </p:sld>
 </file>
 
+<file path=ppt/slides/slide7.xml><?xml version="1.0" encoding="utf-8"?>
+<p:sld xmlns:a="http://schemas.openxmlformats.org/drawingml/2006/main" xmlns:r="http://schemas.openxmlformats.org/officeDocument/2006/relationships" xmlns:p="http://schemas.openxmlformats.org/presentationml/2006/main">
+  <p:cSld>
+    <p:spTree>
+      <p:nvGrpSpPr>
+        <p:cNvPr id="1" name=""/>
+        <p:cNvGrpSpPr/>
+        <p:nvPr/>
+      </p:nvGrpSpPr>
+      <p:grpSpPr>
+        <a:xfrm>
+          <a:off x="0" y="0"/>
+          <a:ext cx="0" cy="0"/>
+          <a:chOff x="0" y="0"/>
+          <a:chExt cx="0" cy="0"/>
+        </a:xfrm>
+      </p:grpSpPr>
+      <p:sp>
+        <p:nvSpPr>
+          <p:cNvPr id="2" name="Title 1">
+            <a:extLst>
+              <a:ext uri="{FF2B5EF4-FFF2-40B4-BE49-F238E27FC236}">
+                <a16:creationId xmlns:a16="http://schemas.microsoft.com/office/drawing/2014/main" id="{C391FC7B-1DEB-0269-1BBD-920CFE630685}"/>
+              </a:ext>
+            </a:extLst>
+          </p:cNvPr>
+          <p:cNvSpPr>
+            <a:spLocks noGrp="1"/>
+          </p:cNvSpPr>
+          <p:nvPr>
+            <p:ph type="title"/>
+          </p:nvPr>
+        </p:nvSpPr>
+        <p:spPr/>
+        <p:txBody>
+          <a:bodyPr/>
+          <a:lstStyle/>
+          <a:p>
+            <a:r>
+              <a:rPr lang="en-US" dirty="0"/>
+              <a:t>Pode</a:t>
+            </a:r>
+            <a:r>
+              <a:rPr lang="sr-Latn-RS" dirty="0"/>
+              <a:t>šavanje InfluxDB-a</a:t>
+            </a:r>
+          </a:p>
+        </p:txBody>
+      </p:sp>
+      <p:pic>
+        <p:nvPicPr>
+          <p:cNvPr id="11" name="Picture 10">
+            <a:extLst>
+              <a:ext uri="{FF2B5EF4-FFF2-40B4-BE49-F238E27FC236}">
+                <a16:creationId xmlns:a16="http://schemas.microsoft.com/office/drawing/2014/main" id="{7F6CC5C9-E74B-68ED-21CA-BC53D88833B5}"/>
+              </a:ext>
+            </a:extLst>
+          </p:cNvPr>
+          <p:cNvPicPr>
+            <a:picLocks noChangeAspect="1"/>
+          </p:cNvPicPr>
+          <p:nvPr/>
+        </p:nvPicPr>
+        <p:blipFill>
+          <a:blip r:embed="rId2"/>
+          <a:stretch>
+            <a:fillRect/>
+          </a:stretch>
+        </p:blipFill>
+        <p:spPr>
+          <a:xfrm>
+            <a:off x="5814821" y="1302829"/>
+            <a:ext cx="6377179" cy="2441973"/>
+          </a:xfrm>
+          <a:prstGeom prst="rect">
+            <a:avLst/>
+          </a:prstGeom>
+        </p:spPr>
+      </p:pic>
+      <p:sp>
+        <p:nvSpPr>
+          <p:cNvPr id="13" name="Content Placeholder 12">
+            <a:extLst>
+              <a:ext uri="{FF2B5EF4-FFF2-40B4-BE49-F238E27FC236}">
+                <a16:creationId xmlns:a16="http://schemas.microsoft.com/office/drawing/2014/main" id="{7416602F-045D-36BF-6E05-6E4060135FCD}"/>
+              </a:ext>
+            </a:extLst>
+          </p:cNvPr>
+          <p:cNvSpPr>
+            <a:spLocks noGrp="1"/>
+          </p:cNvSpPr>
+          <p:nvPr>
+            <p:ph idx="1"/>
+          </p:nvPr>
+        </p:nvSpPr>
+        <p:spPr/>
+        <p:txBody>
+          <a:bodyPr/>
+          <a:lstStyle/>
+          <a:p>
+            <a:endParaRPr lang="sr-Latn-RS" dirty="0"/>
+          </a:p>
+        </p:txBody>
+      </p:sp>
+      <p:pic>
+        <p:nvPicPr>
+          <p:cNvPr id="15" name="Picture 14">
+            <a:extLst>
+              <a:ext uri="{FF2B5EF4-FFF2-40B4-BE49-F238E27FC236}">
+                <a16:creationId xmlns:a16="http://schemas.microsoft.com/office/drawing/2014/main" id="{80A2AC39-62F0-AB50-5B5A-5CC129D72759}"/>
+              </a:ext>
+            </a:extLst>
+          </p:cNvPr>
+          <p:cNvPicPr>
+            <a:picLocks noChangeAspect="1"/>
+          </p:cNvPicPr>
+          <p:nvPr/>
+        </p:nvPicPr>
+        <p:blipFill>
+          <a:blip r:embed="rId3"/>
+          <a:stretch>
+            <a:fillRect/>
+          </a:stretch>
+        </p:blipFill>
+        <p:spPr>
+          <a:xfrm>
+            <a:off x="-1" y="1302829"/>
+            <a:ext cx="5814821" cy="5555171"/>
+          </a:xfrm>
+          <a:prstGeom prst="rect">
+            <a:avLst/>
+          </a:prstGeom>
+        </p:spPr>
+      </p:pic>
+      <p:pic>
+        <p:nvPicPr>
+          <p:cNvPr id="17" name="Picture 16">
+            <a:extLst>
+              <a:ext uri="{FF2B5EF4-FFF2-40B4-BE49-F238E27FC236}">
+                <a16:creationId xmlns:a16="http://schemas.microsoft.com/office/drawing/2014/main" id="{2B5612AB-B200-53CC-9FE3-21B8F819A191}"/>
+              </a:ext>
+            </a:extLst>
+          </p:cNvPr>
+          <p:cNvPicPr>
+            <a:picLocks noChangeAspect="1"/>
+          </p:cNvPicPr>
+          <p:nvPr/>
+        </p:nvPicPr>
+        <p:blipFill>
+          <a:blip r:embed="rId4"/>
+          <a:stretch>
+            <a:fillRect/>
+          </a:stretch>
+        </p:blipFill>
+        <p:spPr>
+          <a:xfrm>
+            <a:off x="5814820" y="3744802"/>
+            <a:ext cx="6377179" cy="1370034"/>
+          </a:xfrm>
+          <a:prstGeom prst="rect">
+            <a:avLst/>
+          </a:prstGeom>
+        </p:spPr>
+      </p:pic>
+    </p:spTree>
+    <p:extLst>
+      <p:ext uri="{BB962C8B-B14F-4D97-AF65-F5344CB8AC3E}">
+        <p14:creationId xmlns:p14="http://schemas.microsoft.com/office/powerpoint/2010/main" val="972028607"/>
+      </p:ext>
+    </p:extLst>
+  </p:cSld>
+  <p:clrMapOvr>
+    <a:masterClrMapping/>
+  </p:clrMapOvr>
+</p:sld>
+</file>
+
 <file path=ppt/slides/slide8.xml><?xml version="1.0" encoding="utf-8"?>
 <p:sld xmlns:a="http://schemas.openxmlformats.org/drawingml/2006/main" xmlns:r="http://schemas.openxmlformats.org/officeDocument/2006/relationships" xmlns:p="http://schemas.openxmlformats.org/presentationml/2006/main">
   <p:cSld>
@@ -7482,7 +9480,7 @@
           <p:cNvPr id="2" name="Title 1">
             <a:extLst>
               <a:ext uri="{FF2B5EF4-FFF2-40B4-BE49-F238E27FC236}">
-                <a16:creationId xmlns:a16="http://schemas.microsoft.com/office/drawing/2014/main" id="{2AFAC4FF-5438-B91D-65DA-3D8336EA8AD9}"/>
+                <a16:creationId xmlns:a16="http://schemas.microsoft.com/office/drawing/2014/main" id="{8A1EC00F-7795-CE73-C4C0-C455A246B11C}"/>
               </a:ext>
             </a:extLst>
           </p:cNvPr>
@@ -7498,7 +9496,14 @@
           <a:bodyPr/>
           <a:lstStyle/>
           <a:p>
-            <a:endParaRPr lang="sr-Latn-RS"/>
+            <a:r>
+              <a:rPr lang="sr-Latn-RS" b="1" dirty="0"/>
+              <a:t>Kreiranje multi-node klastera</a:t>
+            </a:r>
+            <a:br>
+              <a:rPr lang="sr-Latn-RS" dirty="0"/>
+            </a:br>
+            <a:endParaRPr lang="sr-Latn-RS" dirty="0"/>
           </a:p>
         </p:txBody>
       </p:sp>
@@ -7507,7 +9512,7 @@
           <p:cNvPr id="3" name="Content Placeholder 2">
             <a:extLst>
               <a:ext uri="{FF2B5EF4-FFF2-40B4-BE49-F238E27FC236}">
-                <a16:creationId xmlns:a16="http://schemas.microsoft.com/office/drawing/2014/main" id="{8E8F764A-BE6D-D91D-59BE-3E636FE0A7C2}"/>
+                <a16:creationId xmlns:a16="http://schemas.microsoft.com/office/drawing/2014/main" id="{5D01783F-8FD8-A1E2-0AE5-B8DD043200E0}"/>
               </a:ext>
             </a:extLst>
           </p:cNvPr>
@@ -7523,14 +9528,76 @@
           <a:bodyPr/>
           <a:lstStyle/>
           <a:p>
-            <a:endParaRPr lang="sr-Latn-RS"/>
+            <a:r>
+              <a:rPr lang="sr-Latn-RS" dirty="0"/>
+              <a:t>Kreiranje multi-node klastera</a:t>
+            </a:r>
+          </a:p>
+          <a:p>
+            <a:pPr marL="0" indent="0">
+              <a:buNone/>
+            </a:pPr>
+            <a:endParaRPr lang="sr-Latn-RS" dirty="0"/>
+          </a:p>
+          <a:p>
+            <a:r>
+              <a:rPr lang="sr-Latn-RS" dirty="0"/>
+              <a:t>Kreiramo </a:t>
+            </a:r>
+            <a:r>
+              <a:rPr lang="sr-Latn-RS" b="1" dirty="0"/>
+              <a:t>multi-node InfluxDB 3 Enterprise klaster</a:t>
+            </a:r>
+            <a:r>
+              <a:rPr lang="sr-Latn-RS" dirty="0"/>
+              <a:t> kako bismo obezbedili </a:t>
+            </a:r>
+            <a:r>
+              <a:rPr lang="sr-Latn-RS" b="1" dirty="0"/>
+              <a:t>high availability, performanse i izolaciju radnog opterećenja</a:t>
+            </a:r>
+            <a:r>
+              <a:rPr lang="sr-Latn-RS" dirty="0"/>
+              <a:t>. Konfigurišemo čvorove sa specifičnim modovima (ingest, query, process, compact) kako bismo optimizovali klaster prema našem scenariju korišćenja.</a:t>
+            </a:r>
+          </a:p>
+          <a:p>
+            <a:pPr marL="0" indent="0">
+              <a:buNone/>
+            </a:pPr>
+            <a:endParaRPr lang="sr-Latn-RS" dirty="0"/>
+          </a:p>
+          <a:p>
+            <a:r>
+              <a:rPr lang="sr-Latn-RS" b="1" dirty="0"/>
+              <a:t>Preduslovi</a:t>
+            </a:r>
+            <a:endParaRPr lang="sr-Latn-RS" dirty="0"/>
+          </a:p>
+          <a:p>
+            <a:pPr lvl="0"/>
+            <a:r>
+              <a:rPr lang="sr-Latn-RS" dirty="0"/>
+              <a:t>Potrebno je imati </a:t>
+            </a:r>
+            <a:r>
+              <a:rPr lang="sr-Latn-RS" b="1" dirty="0"/>
+              <a:t>shared object store</a:t>
+            </a:r>
+            <a:r>
+              <a:rPr lang="sr-Latn-RS" dirty="0"/>
+              <a:t> koji svi čvorovi u klasteru mogu koristiti za skladištenje podataka i koordinaciju shard-ova.</a:t>
+            </a:r>
+          </a:p>
+          <a:p>
+            <a:endParaRPr lang="sr-Latn-RS" dirty="0"/>
           </a:p>
         </p:txBody>
       </p:sp>
     </p:spTree>
     <p:extLst>
       <p:ext uri="{BB962C8B-B14F-4D97-AF65-F5344CB8AC3E}">
-        <p14:creationId xmlns:p14="http://schemas.microsoft.com/office/powerpoint/2010/main" val="1620443597"/>
+        <p14:creationId xmlns:p14="http://schemas.microsoft.com/office/powerpoint/2010/main" val="2124416922"/>
       </p:ext>
     </p:extLst>
   </p:cSld>
@@ -7562,7 +9629,7 @@
           <p:cNvPr id="2" name="Title 1">
             <a:extLst>
               <a:ext uri="{FF2B5EF4-FFF2-40B4-BE49-F238E27FC236}">
-                <a16:creationId xmlns:a16="http://schemas.microsoft.com/office/drawing/2014/main" id="{017F0244-BAC6-D323-A85F-01139841189A}"/>
+                <a16:creationId xmlns:a16="http://schemas.microsoft.com/office/drawing/2014/main" id="{6F3122EA-E70F-62F7-90A8-6F4990899DF5}"/>
               </a:ext>
             </a:extLst>
           </p:cNvPr>
@@ -7573,47 +9640,193 @@
             <p:ph type="title"/>
           </p:nvPr>
         </p:nvSpPr>
+        <p:spPr/>
+        <p:txBody>
+          <a:bodyPr/>
+          <a:lstStyle/>
+          <a:p>
+            <a:r>
+              <a:rPr lang="sr-Latn-RS" b="1" dirty="0"/>
+              <a:t>Server modovi</a:t>
+            </a:r>
+            <a:br>
+              <a:rPr lang="sr-Latn-RS" dirty="0"/>
+            </a:br>
+            <a:endParaRPr lang="sr-Latn-RS" dirty="0"/>
+          </a:p>
+        </p:txBody>
+      </p:sp>
+      <p:sp>
+        <p:nvSpPr>
+          <p:cNvPr id="3" name="Content Placeholder 2">
+            <a:extLst>
+              <a:ext uri="{FF2B5EF4-FFF2-40B4-BE49-F238E27FC236}">
+                <a16:creationId xmlns:a16="http://schemas.microsoft.com/office/drawing/2014/main" id="{C96F116C-1591-E430-84A1-BE37E01DDB90}"/>
+              </a:ext>
+            </a:extLst>
+          </p:cNvPr>
+          <p:cNvSpPr>
+            <a:spLocks noGrp="1"/>
+          </p:cNvSpPr>
+          <p:nvPr>
+            <p:ph idx="1"/>
+          </p:nvPr>
+        </p:nvSpPr>
         <p:spPr>
           <a:xfrm>
-            <a:off x="1" y="3078867"/>
-            <a:ext cx="12191999" cy="700265"/>
+            <a:off x="645130" y="1380744"/>
+            <a:ext cx="10181366" cy="4867655"/>
           </a:xfrm>
         </p:spPr>
         <p:txBody>
-          <a:bodyPr/>
+          <a:bodyPr>
+            <a:normAutofit fontScale="92500"/>
+          </a:bodyPr>
           <a:lstStyle/>
           <a:p>
-            <a:pPr algn="ctr"/>
-            <a:r>
-              <a:rPr lang="en-US" sz="6600" dirty="0"/>
-              <a:t>Hvala </a:t>
-            </a:r>
-            <a:r>
-              <a:rPr lang="en-US" sz="6600" dirty="0" err="1"/>
-              <a:t>na</a:t>
-            </a:r>
-            <a:r>
-              <a:rPr lang="en-US" sz="6600" dirty="0"/>
-              <a:t> pa</a:t>
-            </a:r>
-            <a:r>
-              <a:rPr lang="sr-Latn-RS" sz="6600" dirty="0"/>
-              <a:t>žnji </a:t>
-            </a:r>
-            <a:r>
-              <a:rPr lang="sr-Latn-RS" sz="6600" dirty="0">
-                <a:sym typeface="Wingdings" panose="05000000000000000000" pitchFamily="2" charset="2"/>
-              </a:rPr>
-              <a:t></a:t>
-            </a:r>
-            <a:endParaRPr lang="sr-Latn-RS" sz="6600" dirty="0"/>
+            <a:pPr marL="0" indent="0">
+              <a:buNone/>
+            </a:pPr>
+            <a:endParaRPr lang="sr-Latn-RS" dirty="0"/>
+          </a:p>
+          <a:p>
+            <a:r>
+              <a:rPr lang="sr-Latn-RS" dirty="0"/>
+              <a:t>U InfluxDB 3 Enterprise, </a:t>
+            </a:r>
+            <a:r>
+              <a:rPr lang="sr-Latn-RS" b="1" dirty="0"/>
+              <a:t>modovi servera</a:t>
+            </a:r>
+            <a:r>
+              <a:rPr lang="sr-Latn-RS" dirty="0"/>
+              <a:t> određuju koje </a:t>
+            </a:r>
+            <a:r>
+              <a:rPr lang="sr-Latn-RS" b="1" dirty="0"/>
+              <a:t>subprocese čvor izvršava</a:t>
+            </a:r>
+            <a:r>
+              <a:rPr lang="sr-Latn-RS" dirty="0"/>
+              <a:t>. Ovi subprocessi obavljaju neophodne zadatke, uključujući </a:t>
+            </a:r>
+            <a:r>
+              <a:rPr lang="en-US" b="1" dirty="0" err="1"/>
+              <a:t>prikupljanje</a:t>
+            </a:r>
+            <a:r>
+              <a:rPr lang="sr-Latn-RS" b="1" dirty="0"/>
+              <a:t> podataka, obradu upita, kompakciju podataka</a:t>
+            </a:r>
+            <a:r>
+              <a:rPr lang="sr-Latn-RS" dirty="0"/>
+              <a:t> i izvršavanje </a:t>
+            </a:r>
+            <a:r>
+              <a:rPr lang="sr-Latn-RS" b="1" dirty="0"/>
+              <a:t>processing engine</a:t>
+            </a:r>
+            <a:r>
+              <a:rPr lang="sr-Latn-RS" dirty="0"/>
+              <a:t> plugin-a.</a:t>
+            </a:r>
+          </a:p>
+          <a:p>
+            <a:endParaRPr lang="sr-Latn-RS" dirty="0"/>
+          </a:p>
+          <a:p>
+            <a:r>
+              <a:rPr lang="sr-Latn-RS" dirty="0"/>
+              <a:t>Opcija influxdb3 serve --mode definiše koje subprocess-e čvor pokreće. Svaki čvor može raditi u jednom ili više sledećih modova:</a:t>
+            </a:r>
+          </a:p>
+          <a:p>
+            <a:endParaRPr lang="sr-Latn-RS" dirty="0"/>
+          </a:p>
+          <a:p>
+            <a:pPr lvl="1"/>
+            <a:r>
+              <a:rPr lang="sr-Latn-RS" b="1" dirty="0"/>
+              <a:t>all (podrazumevano):</a:t>
+            </a:r>
+            <a:r>
+              <a:rPr lang="sr-Latn-RS" dirty="0"/>
+              <a:t> Pokreće sve neophodne subprocess-e.</a:t>
+            </a:r>
+          </a:p>
+          <a:p>
+            <a:pPr lvl="1"/>
+            <a:r>
+              <a:rPr lang="sr-Latn-RS" b="1" dirty="0"/>
+              <a:t>ingest:</a:t>
+            </a:r>
+            <a:r>
+              <a:rPr lang="sr-Latn-RS" dirty="0"/>
+              <a:t> Pokreće subprocess za </a:t>
+            </a:r>
+            <a:r>
+              <a:rPr lang="en-US" dirty="0" err="1"/>
+              <a:t>prikupljanje</a:t>
+            </a:r>
+            <a:r>
+              <a:rPr lang="en-US" dirty="0"/>
+              <a:t> (</a:t>
+            </a:r>
+            <a:r>
+              <a:rPr lang="sr-Latn-RS" dirty="0"/>
+              <a:t>ingest</a:t>
+            </a:r>
+            <a:r>
+              <a:rPr lang="en-US" dirty="0"/>
+              <a:t>)</a:t>
+            </a:r>
+            <a:r>
+              <a:rPr lang="sr-Latn-RS" dirty="0"/>
+              <a:t> podataka i obradu upisa.</a:t>
+            </a:r>
+          </a:p>
+          <a:p>
+            <a:pPr lvl="1"/>
+            <a:r>
+              <a:rPr lang="sr-Latn-RS" b="1" dirty="0"/>
+              <a:t>query:</a:t>
+            </a:r>
+            <a:r>
+              <a:rPr lang="sr-Latn-RS" dirty="0"/>
+              <a:t> Pokreće subprocess za obradu upita.</a:t>
+            </a:r>
+          </a:p>
+          <a:p>
+            <a:pPr lvl="1"/>
+            <a:r>
+              <a:rPr lang="sr-Latn-RS" b="1" dirty="0"/>
+              <a:t>process:</a:t>
+            </a:r>
+            <a:r>
+              <a:rPr lang="sr-Latn-RS" dirty="0"/>
+              <a:t> Pokreće subprocess processing engine-a za aktiviranje i izvršavanje plugin-a.</a:t>
+            </a:r>
+          </a:p>
+          <a:p>
+            <a:pPr lvl="1"/>
+            <a:r>
+              <a:rPr lang="sr-Latn-RS" b="1" dirty="0"/>
+              <a:t>compact:</a:t>
+            </a:r>
+            <a:r>
+              <a:rPr lang="sr-Latn-RS" dirty="0"/>
+              <a:t> Pokreće subprocess kompaktora koji optimizuje podatke u objektno skladište.</a:t>
+            </a:r>
+          </a:p>
+          <a:p>
+            <a:endParaRPr lang="sr-Latn-RS" dirty="0"/>
           </a:p>
         </p:txBody>
       </p:sp>
     </p:spTree>
     <p:extLst>
       <p:ext uri="{BB962C8B-B14F-4D97-AF65-F5344CB8AC3E}">
-        <p14:creationId xmlns:p14="http://schemas.microsoft.com/office/powerpoint/2010/main" val="463366966"/>
+        <p14:creationId xmlns:p14="http://schemas.microsoft.com/office/powerpoint/2010/main" val="935176789"/>
       </p:ext>
     </p:extLst>
   </p:cSld>

--- a/3_HA/High availability rešenja kod InfluxDB baze podataka.pptx
+++ b/3_HA/High availability rešenja kod InfluxDB baze podataka.pptx
@@ -5,7 +5,7 @@
     <p:sldMasterId id="2147483689" r:id="rId1"/>
   </p:sldMasterIdLst>
   <p:notesMasterIdLst>
-    <p:notesMasterId r:id="rId21"/>
+    <p:notesMasterId r:id="rId23"/>
   </p:notesMasterIdLst>
   <p:sldIdLst>
     <p:sldId id="256" r:id="rId2"/>
@@ -25,8 +25,10 @@
     <p:sldId id="278" r:id="rId16"/>
     <p:sldId id="279" r:id="rId17"/>
     <p:sldId id="280" r:id="rId18"/>
-    <p:sldId id="281" r:id="rId19"/>
-    <p:sldId id="258" r:id="rId20"/>
+    <p:sldId id="282" r:id="rId19"/>
+    <p:sldId id="283" r:id="rId20"/>
+    <p:sldId id="281" r:id="rId21"/>
+    <p:sldId id="258" r:id="rId22"/>
   </p:sldIdLst>
   <p:sldSz cx="12192000" cy="6858000"/>
   <p:notesSz cx="6858000" cy="9144000"/>
@@ -8098,6 +8100,313 @@
           <p:cNvPr id="2" name="Title 1">
             <a:extLst>
               <a:ext uri="{FF2B5EF4-FFF2-40B4-BE49-F238E27FC236}">
+                <a16:creationId xmlns:a16="http://schemas.microsoft.com/office/drawing/2014/main" id="{85EA82E8-7C5E-356A-76DC-BA8BCE9EA1DD}"/>
+              </a:ext>
+            </a:extLst>
+          </p:cNvPr>
+          <p:cNvSpPr>
+            <a:spLocks noGrp="1"/>
+          </p:cNvSpPr>
+          <p:nvPr>
+            <p:ph type="title"/>
+          </p:nvPr>
+        </p:nvSpPr>
+        <p:spPr>
+          <a:xfrm>
+            <a:off x="236486" y="0"/>
+            <a:ext cx="10680191" cy="1400530"/>
+          </a:xfrm>
+        </p:spPr>
+        <p:txBody>
+          <a:bodyPr/>
+          <a:lstStyle/>
+          <a:p>
+            <a:r>
+              <a:rPr lang="en-US" dirty="0" err="1"/>
+              <a:t>Demonstracija</a:t>
+            </a:r>
+            <a:r>
+              <a:rPr lang="en-US" dirty="0"/>
+              <a:t> High availability </a:t>
+            </a:r>
+            <a:r>
+              <a:rPr lang="en-US" dirty="0" err="1"/>
+              <a:t>sa</a:t>
+            </a:r>
+            <a:r>
+              <a:rPr lang="en-US" dirty="0"/>
+              <a:t> dedicated Compactor </a:t>
+            </a:r>
+            <a:r>
+              <a:rPr lang="en-US" dirty="0" err="1"/>
+              <a:t>čvorom</a:t>
+            </a:r>
+            <a:endParaRPr lang="sr-Latn-RS" dirty="0"/>
+          </a:p>
+        </p:txBody>
+      </p:sp>
+      <p:pic>
+        <p:nvPicPr>
+          <p:cNvPr id="5" name="Picture 4">
+            <a:extLst>
+              <a:ext uri="{FF2B5EF4-FFF2-40B4-BE49-F238E27FC236}">
+                <a16:creationId xmlns:a16="http://schemas.microsoft.com/office/drawing/2014/main" id="{A7641E33-7703-808B-E258-C33AD494D961}"/>
+              </a:ext>
+            </a:extLst>
+          </p:cNvPr>
+          <p:cNvPicPr>
+            <a:picLocks noChangeAspect="1"/>
+          </p:cNvPicPr>
+          <p:nvPr/>
+        </p:nvPicPr>
+        <p:blipFill>
+          <a:blip r:embed="rId2"/>
+          <a:stretch>
+            <a:fillRect/>
+          </a:stretch>
+        </p:blipFill>
+        <p:spPr>
+          <a:xfrm>
+            <a:off x="774994" y="1727789"/>
+            <a:ext cx="9822420" cy="4698224"/>
+          </a:xfrm>
+          <a:prstGeom prst="rect">
+            <a:avLst/>
+          </a:prstGeom>
+        </p:spPr>
+      </p:pic>
+    </p:spTree>
+    <p:extLst>
+      <p:ext uri="{BB962C8B-B14F-4D97-AF65-F5344CB8AC3E}">
+        <p14:creationId xmlns:p14="http://schemas.microsoft.com/office/powerpoint/2010/main" val="374254119"/>
+      </p:ext>
+    </p:extLst>
+  </p:cSld>
+  <p:clrMapOvr>
+    <a:masterClrMapping/>
+  </p:clrMapOvr>
+</p:sld>
+</file>
+
+<file path=ppt/slides/slide19.xml><?xml version="1.0" encoding="utf-8"?>
+<p:sld xmlns:a="http://schemas.openxmlformats.org/drawingml/2006/main" xmlns:r="http://schemas.openxmlformats.org/officeDocument/2006/relationships" xmlns:p="http://schemas.openxmlformats.org/presentationml/2006/main">
+  <p:cSld>
+    <p:spTree>
+      <p:nvGrpSpPr>
+        <p:cNvPr id="1" name=""/>
+        <p:cNvGrpSpPr/>
+        <p:nvPr/>
+      </p:nvGrpSpPr>
+      <p:grpSpPr>
+        <a:xfrm>
+          <a:off x="0" y="0"/>
+          <a:ext cx="0" cy="0"/>
+          <a:chOff x="0" y="0"/>
+          <a:chExt cx="0" cy="0"/>
+        </a:xfrm>
+      </p:grpSpPr>
+      <p:sp>
+        <p:nvSpPr>
+          <p:cNvPr id="2" name="Title 1">
+            <a:extLst>
+              <a:ext uri="{FF2B5EF4-FFF2-40B4-BE49-F238E27FC236}">
+                <a16:creationId xmlns:a16="http://schemas.microsoft.com/office/drawing/2014/main" id="{401AAF11-2F7E-FDE1-38E3-1CFFF5851DDD}"/>
+              </a:ext>
+            </a:extLst>
+          </p:cNvPr>
+          <p:cNvSpPr>
+            <a:spLocks noGrp="1"/>
+          </p:cNvSpPr>
+          <p:nvPr>
+            <p:ph type="title"/>
+          </p:nvPr>
+        </p:nvSpPr>
+        <p:spPr/>
+        <p:txBody>
+          <a:bodyPr/>
+          <a:lstStyle/>
+          <a:p>
+            <a:endParaRPr lang="sr-Latn-RS"/>
+          </a:p>
+        </p:txBody>
+      </p:sp>
+      <p:sp>
+        <p:nvSpPr>
+          <p:cNvPr id="3" name="Content Placeholder 2">
+            <a:extLst>
+              <a:ext uri="{FF2B5EF4-FFF2-40B4-BE49-F238E27FC236}">
+                <a16:creationId xmlns:a16="http://schemas.microsoft.com/office/drawing/2014/main" id="{361FDD63-F5C6-9356-20A9-818E8A74EF1E}"/>
+              </a:ext>
+            </a:extLst>
+          </p:cNvPr>
+          <p:cNvSpPr>
+            <a:spLocks noGrp="1"/>
+          </p:cNvSpPr>
+          <p:nvPr>
+            <p:ph idx="1"/>
+          </p:nvPr>
+        </p:nvSpPr>
+        <p:spPr/>
+        <p:txBody>
+          <a:bodyPr/>
+          <a:lstStyle/>
+          <a:p>
+            <a:endParaRPr lang="sr-Latn-RS"/>
+          </a:p>
+        </p:txBody>
+      </p:sp>
+      <p:pic>
+        <p:nvPicPr>
+          <p:cNvPr id="5" name="Picture 4">
+            <a:extLst>
+              <a:ext uri="{FF2B5EF4-FFF2-40B4-BE49-F238E27FC236}">
+                <a16:creationId xmlns:a16="http://schemas.microsoft.com/office/drawing/2014/main" id="{EE3973C4-E7E1-DCCD-F5EE-C9E89EA57204}"/>
+              </a:ext>
+            </a:extLst>
+          </p:cNvPr>
+          <p:cNvPicPr>
+            <a:picLocks noChangeAspect="1"/>
+          </p:cNvPicPr>
+          <p:nvPr/>
+        </p:nvPicPr>
+        <p:blipFill>
+          <a:blip r:embed="rId2"/>
+          <a:stretch>
+            <a:fillRect/>
+          </a:stretch>
+        </p:blipFill>
+        <p:spPr>
+          <a:xfrm>
+            <a:off x="813032" y="0"/>
+            <a:ext cx="10178041" cy="6858000"/>
+          </a:xfrm>
+          <a:prstGeom prst="rect">
+            <a:avLst/>
+          </a:prstGeom>
+        </p:spPr>
+      </p:pic>
+    </p:spTree>
+    <p:extLst>
+      <p:ext uri="{BB962C8B-B14F-4D97-AF65-F5344CB8AC3E}">
+        <p14:creationId xmlns:p14="http://schemas.microsoft.com/office/powerpoint/2010/main" val="4096127100"/>
+      </p:ext>
+    </p:extLst>
+  </p:cSld>
+  <p:clrMapOvr>
+    <a:masterClrMapping/>
+  </p:clrMapOvr>
+</p:sld>
+</file>
+
+<file path=ppt/slides/slide2.xml><?xml version="1.0" encoding="utf-8"?>
+<p:sld xmlns:a="http://schemas.openxmlformats.org/drawingml/2006/main" xmlns:r="http://schemas.openxmlformats.org/officeDocument/2006/relationships" xmlns:p="http://schemas.openxmlformats.org/presentationml/2006/main">
+  <p:cSld>
+    <p:spTree>
+      <p:nvGrpSpPr>
+        <p:cNvPr id="1" name=""/>
+        <p:cNvGrpSpPr/>
+        <p:nvPr/>
+      </p:nvGrpSpPr>
+      <p:grpSpPr>
+        <a:xfrm>
+          <a:off x="0" y="0"/>
+          <a:ext cx="0" cy="0"/>
+          <a:chOff x="0" y="0"/>
+          <a:chExt cx="0" cy="0"/>
+        </a:xfrm>
+      </p:grpSpPr>
+      <p:sp>
+        <p:nvSpPr>
+          <p:cNvPr id="2" name="Title 1">
+            <a:extLst>
+              <a:ext uri="{FF2B5EF4-FFF2-40B4-BE49-F238E27FC236}">
+                <a16:creationId xmlns:a16="http://schemas.microsoft.com/office/drawing/2014/main" id="{C5BB61A5-C344-BA28-E139-1AF279FFB3D8}"/>
+              </a:ext>
+            </a:extLst>
+          </p:cNvPr>
+          <p:cNvSpPr>
+            <a:spLocks noGrp="1"/>
+          </p:cNvSpPr>
+          <p:nvPr>
+            <p:ph type="title"/>
+          </p:nvPr>
+        </p:nvSpPr>
+        <p:spPr/>
+        <p:txBody>
+          <a:bodyPr/>
+          <a:lstStyle/>
+          <a:p>
+            <a:endParaRPr lang="sr-Latn-RS"/>
+          </a:p>
+        </p:txBody>
+      </p:sp>
+      <p:pic>
+        <p:nvPicPr>
+          <p:cNvPr id="5" name="Content Placeholder 4">
+            <a:extLst>
+              <a:ext uri="{FF2B5EF4-FFF2-40B4-BE49-F238E27FC236}">
+                <a16:creationId xmlns:a16="http://schemas.microsoft.com/office/drawing/2014/main" id="{0C96E23F-86D0-0DB7-012C-B5D2F28F3064}"/>
+              </a:ext>
+            </a:extLst>
+          </p:cNvPr>
+          <p:cNvPicPr>
+            <a:picLocks noGrp="1" noChangeAspect="1"/>
+          </p:cNvPicPr>
+          <p:nvPr>
+            <p:ph idx="1"/>
+          </p:nvPr>
+        </p:nvPicPr>
+        <p:blipFill>
+          <a:blip r:embed="rId3"/>
+          <a:stretch>
+            <a:fillRect/>
+          </a:stretch>
+        </p:blipFill>
+        <p:spPr>
+          <a:xfrm>
+            <a:off x="0" y="0"/>
+            <a:ext cx="12182534" cy="6858000"/>
+          </a:xfrm>
+          <a:prstGeom prst="rect">
+            <a:avLst/>
+          </a:prstGeom>
+        </p:spPr>
+      </p:pic>
+    </p:spTree>
+    <p:extLst>
+      <p:ext uri="{BB962C8B-B14F-4D97-AF65-F5344CB8AC3E}">
+        <p14:creationId xmlns:p14="http://schemas.microsoft.com/office/powerpoint/2010/main" val="2397192779"/>
+      </p:ext>
+    </p:extLst>
+  </p:cSld>
+  <p:clrMapOvr>
+    <a:masterClrMapping/>
+  </p:clrMapOvr>
+</p:sld>
+</file>
+
+<file path=ppt/slides/slide20.xml><?xml version="1.0" encoding="utf-8"?>
+<p:sld xmlns:a="http://schemas.openxmlformats.org/drawingml/2006/main" xmlns:r="http://schemas.openxmlformats.org/officeDocument/2006/relationships" xmlns:p="http://schemas.openxmlformats.org/presentationml/2006/main">
+  <p:cSld>
+    <p:spTree>
+      <p:nvGrpSpPr>
+        <p:cNvPr id="1" name=""/>
+        <p:cNvGrpSpPr/>
+        <p:nvPr/>
+      </p:nvGrpSpPr>
+      <p:grpSpPr>
+        <a:xfrm>
+          <a:off x="0" y="0"/>
+          <a:ext cx="0" cy="0"/>
+          <a:chOff x="0" y="0"/>
+          <a:chExt cx="0" cy="0"/>
+        </a:xfrm>
+      </p:grpSpPr>
+      <p:sp>
+        <p:nvSpPr>
+          <p:cNvPr id="2" name="Title 1">
+            <a:extLst>
+              <a:ext uri="{FF2B5EF4-FFF2-40B4-BE49-F238E27FC236}">
                 <a16:creationId xmlns:a16="http://schemas.microsoft.com/office/drawing/2014/main" id="{E0144BA2-013F-C4F4-865F-E16C27B07017}"/>
               </a:ext>
             </a:extLst>
@@ -8466,7 +8775,7 @@
 </p:sld>
 </file>
 
-<file path=ppt/slides/slide19.xml><?xml version="1.0" encoding="utf-8"?>
+<file path=ppt/slides/slide21.xml><?xml version="1.0" encoding="utf-8"?>
 <p:sld xmlns:a="http://schemas.openxmlformats.org/drawingml/2006/main" xmlns:r="http://schemas.openxmlformats.org/officeDocument/2006/relationships" xmlns:p="http://schemas.openxmlformats.org/presentationml/2006/main">
   <p:cSld>
     <p:spTree>
@@ -8540,93 +8849,6 @@
     <p:extLst>
       <p:ext uri="{BB962C8B-B14F-4D97-AF65-F5344CB8AC3E}">
         <p14:creationId xmlns:p14="http://schemas.microsoft.com/office/powerpoint/2010/main" val="463366966"/>
-      </p:ext>
-    </p:extLst>
-  </p:cSld>
-  <p:clrMapOvr>
-    <a:masterClrMapping/>
-  </p:clrMapOvr>
-</p:sld>
-</file>
-
-<file path=ppt/slides/slide2.xml><?xml version="1.0" encoding="utf-8"?>
-<p:sld xmlns:a="http://schemas.openxmlformats.org/drawingml/2006/main" xmlns:r="http://schemas.openxmlformats.org/officeDocument/2006/relationships" xmlns:p="http://schemas.openxmlformats.org/presentationml/2006/main">
-  <p:cSld>
-    <p:spTree>
-      <p:nvGrpSpPr>
-        <p:cNvPr id="1" name=""/>
-        <p:cNvGrpSpPr/>
-        <p:nvPr/>
-      </p:nvGrpSpPr>
-      <p:grpSpPr>
-        <a:xfrm>
-          <a:off x="0" y="0"/>
-          <a:ext cx="0" cy="0"/>
-          <a:chOff x="0" y="0"/>
-          <a:chExt cx="0" cy="0"/>
-        </a:xfrm>
-      </p:grpSpPr>
-      <p:sp>
-        <p:nvSpPr>
-          <p:cNvPr id="2" name="Title 1">
-            <a:extLst>
-              <a:ext uri="{FF2B5EF4-FFF2-40B4-BE49-F238E27FC236}">
-                <a16:creationId xmlns:a16="http://schemas.microsoft.com/office/drawing/2014/main" id="{C5BB61A5-C344-BA28-E139-1AF279FFB3D8}"/>
-              </a:ext>
-            </a:extLst>
-          </p:cNvPr>
-          <p:cNvSpPr>
-            <a:spLocks noGrp="1"/>
-          </p:cNvSpPr>
-          <p:nvPr>
-            <p:ph type="title"/>
-          </p:nvPr>
-        </p:nvSpPr>
-        <p:spPr/>
-        <p:txBody>
-          <a:bodyPr/>
-          <a:lstStyle/>
-          <a:p>
-            <a:endParaRPr lang="sr-Latn-RS"/>
-          </a:p>
-        </p:txBody>
-      </p:sp>
-      <p:pic>
-        <p:nvPicPr>
-          <p:cNvPr id="5" name="Content Placeholder 4">
-            <a:extLst>
-              <a:ext uri="{FF2B5EF4-FFF2-40B4-BE49-F238E27FC236}">
-                <a16:creationId xmlns:a16="http://schemas.microsoft.com/office/drawing/2014/main" id="{0C96E23F-86D0-0DB7-012C-B5D2F28F3064}"/>
-              </a:ext>
-            </a:extLst>
-          </p:cNvPr>
-          <p:cNvPicPr>
-            <a:picLocks noGrp="1" noChangeAspect="1"/>
-          </p:cNvPicPr>
-          <p:nvPr>
-            <p:ph idx="1"/>
-          </p:nvPr>
-        </p:nvPicPr>
-        <p:blipFill>
-          <a:blip r:embed="rId3"/>
-          <a:stretch>
-            <a:fillRect/>
-          </a:stretch>
-        </p:blipFill>
-        <p:spPr>
-          <a:xfrm>
-            <a:off x="0" y="0"/>
-            <a:ext cx="12182534" cy="6858000"/>
-          </a:xfrm>
-          <a:prstGeom prst="rect">
-            <a:avLst/>
-          </a:prstGeom>
-        </p:spPr>
-      </p:pic>
-    </p:spTree>
-    <p:extLst>
-      <p:ext uri="{BB962C8B-B14F-4D97-AF65-F5344CB8AC3E}">
-        <p14:creationId xmlns:p14="http://schemas.microsoft.com/office/powerpoint/2010/main" val="2397192779"/>
       </p:ext>
     </p:extLst>
   </p:cSld>

--- a/3_HA/High availability rešenja kod InfluxDB baze podataka.pptx
+++ b/3_HA/High availability rešenja kod InfluxDB baze podataka.pptx
@@ -5,7 +5,7 @@
     <p:sldMasterId id="2147483689" r:id="rId1"/>
   </p:sldMasterIdLst>
   <p:notesMasterIdLst>
-    <p:notesMasterId r:id="rId23"/>
+    <p:notesMasterId r:id="rId24"/>
   </p:notesMasterIdLst>
   <p:sldIdLst>
     <p:sldId id="256" r:id="rId2"/>
@@ -27,8 +27,9 @@
     <p:sldId id="280" r:id="rId18"/>
     <p:sldId id="282" r:id="rId19"/>
     <p:sldId id="283" r:id="rId20"/>
-    <p:sldId id="281" r:id="rId21"/>
-    <p:sldId id="258" r:id="rId22"/>
+    <p:sldId id="285" r:id="rId21"/>
+    <p:sldId id="281" r:id="rId22"/>
+    <p:sldId id="258" r:id="rId23"/>
   </p:sldIdLst>
   <p:sldSz cx="12192000" cy="6858000"/>
   <p:notesSz cx="6858000" cy="9144000"/>
@@ -217,7 +218,7 @@
           <a:p>
             <a:fld id="{2501E9B9-AD38-430C-9AE9-EEBD48F6A1C8}" type="datetimeFigureOut">
               <a:rPr lang="sr-Latn-RS" smtClean="0"/>
-              <a:t>17.9.2025.</a:t>
+              <a:t>18.9.2025.</a:t>
             </a:fld>
             <a:endParaRPr lang="sr-Latn-RS"/>
           </a:p>
@@ -839,7 +840,7 @@
           <a:p>
             <a:fld id="{E539730C-77D3-4BBB-8370-8BEDDE1D1F3E}" type="datetimeFigureOut">
               <a:rPr lang="sr-Latn-RS" smtClean="0"/>
-              <a:t>17.9.2025.</a:t>
+              <a:t>18.9.2025.</a:t>
             </a:fld>
             <a:endParaRPr lang="sr-Latn-RS"/>
           </a:p>
@@ -1114,7 +1115,7 @@
           <a:p>
             <a:fld id="{E539730C-77D3-4BBB-8370-8BEDDE1D1F3E}" type="datetimeFigureOut">
               <a:rPr lang="sr-Latn-RS" smtClean="0"/>
-              <a:t>17.9.2025.</a:t>
+              <a:t>18.9.2025.</a:t>
             </a:fld>
             <a:endParaRPr lang="sr-Latn-RS"/>
           </a:p>
@@ -1308,7 +1309,7 @@
           <a:p>
             <a:fld id="{E539730C-77D3-4BBB-8370-8BEDDE1D1F3E}" type="datetimeFigureOut">
               <a:rPr lang="sr-Latn-RS" smtClean="0"/>
-              <a:t>17.9.2025.</a:t>
+              <a:t>18.9.2025.</a:t>
             </a:fld>
             <a:endParaRPr lang="sr-Latn-RS"/>
           </a:p>
@@ -1581,7 +1582,7 @@
           <a:p>
             <a:fld id="{E539730C-77D3-4BBB-8370-8BEDDE1D1F3E}" type="datetimeFigureOut">
               <a:rPr lang="sr-Latn-RS" smtClean="0"/>
-              <a:t>17.9.2025.</a:t>
+              <a:t>18.9.2025.</a:t>
             </a:fld>
             <a:endParaRPr lang="sr-Latn-RS"/>
           </a:p>
@@ -1922,7 +1923,7 @@
           <a:p>
             <a:fld id="{E539730C-77D3-4BBB-8370-8BEDDE1D1F3E}" type="datetimeFigureOut">
               <a:rPr lang="sr-Latn-RS" smtClean="0"/>
-              <a:t>17.9.2025.</a:t>
+              <a:t>18.9.2025.</a:t>
             </a:fld>
             <a:endParaRPr lang="sr-Latn-RS"/>
           </a:p>
@@ -2545,7 +2546,7 @@
           <a:p>
             <a:fld id="{E539730C-77D3-4BBB-8370-8BEDDE1D1F3E}" type="datetimeFigureOut">
               <a:rPr lang="sr-Latn-RS" smtClean="0"/>
-              <a:t>17.9.2025.</a:t>
+              <a:t>18.9.2025.</a:t>
             </a:fld>
             <a:endParaRPr lang="sr-Latn-RS"/>
           </a:p>
@@ -3405,7 +3406,7 @@
           <a:p>
             <a:fld id="{E539730C-77D3-4BBB-8370-8BEDDE1D1F3E}" type="datetimeFigureOut">
               <a:rPr lang="sr-Latn-RS" smtClean="0"/>
-              <a:t>17.9.2025.</a:t>
+              <a:t>18.9.2025.</a:t>
             </a:fld>
             <a:endParaRPr lang="sr-Latn-RS"/>
           </a:p>
@@ -3575,7 +3576,7 @@
           <a:p>
             <a:fld id="{E539730C-77D3-4BBB-8370-8BEDDE1D1F3E}" type="datetimeFigureOut">
               <a:rPr lang="sr-Latn-RS" smtClean="0"/>
-              <a:t>17.9.2025.</a:t>
+              <a:t>18.9.2025.</a:t>
             </a:fld>
             <a:endParaRPr lang="sr-Latn-RS"/>
           </a:p>
@@ -3755,7 +3756,7 @@
           <a:p>
             <a:fld id="{E539730C-77D3-4BBB-8370-8BEDDE1D1F3E}" type="datetimeFigureOut">
               <a:rPr lang="sr-Latn-RS" smtClean="0"/>
-              <a:t>17.9.2025.</a:t>
+              <a:t>18.9.2025.</a:t>
             </a:fld>
             <a:endParaRPr lang="sr-Latn-RS"/>
           </a:p>
@@ -3925,7 +3926,7 @@
           <a:p>
             <a:fld id="{E539730C-77D3-4BBB-8370-8BEDDE1D1F3E}" type="datetimeFigureOut">
               <a:rPr lang="sr-Latn-RS" smtClean="0"/>
-              <a:t>17.9.2025.</a:t>
+              <a:t>18.9.2025.</a:t>
             </a:fld>
             <a:endParaRPr lang="sr-Latn-RS"/>
           </a:p>
@@ -4172,7 +4173,7 @@
           <a:p>
             <a:fld id="{E539730C-77D3-4BBB-8370-8BEDDE1D1F3E}" type="datetimeFigureOut">
               <a:rPr lang="sr-Latn-RS" smtClean="0"/>
-              <a:t>17.9.2025.</a:t>
+              <a:t>18.9.2025.</a:t>
             </a:fld>
             <a:endParaRPr lang="sr-Latn-RS"/>
           </a:p>
@@ -4464,7 +4465,7 @@
           <a:p>
             <a:fld id="{E539730C-77D3-4BBB-8370-8BEDDE1D1F3E}" type="datetimeFigureOut">
               <a:rPr lang="sr-Latn-RS" smtClean="0"/>
-              <a:t>17.9.2025.</a:t>
+              <a:t>18.9.2025.</a:t>
             </a:fld>
             <a:endParaRPr lang="sr-Latn-RS"/>
           </a:p>
@@ -4908,7 +4909,7 @@
           <a:p>
             <a:fld id="{E539730C-77D3-4BBB-8370-8BEDDE1D1F3E}" type="datetimeFigureOut">
               <a:rPr lang="sr-Latn-RS" smtClean="0"/>
-              <a:t>17.9.2025.</a:t>
+              <a:t>18.9.2025.</a:t>
             </a:fld>
             <a:endParaRPr lang="sr-Latn-RS"/>
           </a:p>
@@ -5026,7 +5027,7 @@
           <a:p>
             <a:fld id="{E539730C-77D3-4BBB-8370-8BEDDE1D1F3E}" type="datetimeFigureOut">
               <a:rPr lang="sr-Latn-RS" smtClean="0"/>
-              <a:t>17.9.2025.</a:t>
+              <a:t>18.9.2025.</a:t>
             </a:fld>
             <a:endParaRPr lang="sr-Latn-RS"/>
           </a:p>
@@ -5121,7 +5122,7 @@
           <a:p>
             <a:fld id="{E539730C-77D3-4BBB-8370-8BEDDE1D1F3E}" type="datetimeFigureOut">
               <a:rPr lang="sr-Latn-RS" smtClean="0"/>
-              <a:t>17.9.2025.</a:t>
+              <a:t>18.9.2025.</a:t>
             </a:fld>
             <a:endParaRPr lang="sr-Latn-RS"/>
           </a:p>
@@ -5400,7 +5401,7 @@
           <a:p>
             <a:fld id="{E539730C-77D3-4BBB-8370-8BEDDE1D1F3E}" type="datetimeFigureOut">
               <a:rPr lang="sr-Latn-RS" smtClean="0"/>
-              <a:t>17.9.2025.</a:t>
+              <a:t>18.9.2025.</a:t>
             </a:fld>
             <a:endParaRPr lang="sr-Latn-RS"/>
           </a:p>
@@ -5675,7 +5676,7 @@
           <a:p>
             <a:fld id="{E539730C-77D3-4BBB-8370-8BEDDE1D1F3E}" type="datetimeFigureOut">
               <a:rPr lang="sr-Latn-RS" smtClean="0"/>
-              <a:t>17.9.2025.</a:t>
+              <a:t>18.9.2025.</a:t>
             </a:fld>
             <a:endParaRPr lang="sr-Latn-RS"/>
           </a:p>
@@ -6104,7 +6105,7 @@
           <a:p>
             <a:fld id="{E539730C-77D3-4BBB-8370-8BEDDE1D1F3E}" type="datetimeFigureOut">
               <a:rPr lang="sr-Latn-RS" smtClean="0"/>
-              <a:t>17.9.2025.</a:t>
+              <a:t>18.9.2025.</a:t>
             </a:fld>
             <a:endParaRPr lang="sr-Latn-RS"/>
           </a:p>
@@ -8407,6 +8408,102 @@
           <p:cNvPr id="2" name="Title 1">
             <a:extLst>
               <a:ext uri="{FF2B5EF4-FFF2-40B4-BE49-F238E27FC236}">
+                <a16:creationId xmlns:a16="http://schemas.microsoft.com/office/drawing/2014/main" id="{254BBADB-950F-AFD3-B2C9-7702DA8F61C9}"/>
+              </a:ext>
+            </a:extLst>
+          </p:cNvPr>
+          <p:cNvSpPr>
+            <a:spLocks noGrp="1"/>
+          </p:cNvSpPr>
+          <p:nvPr>
+            <p:ph type="title"/>
+          </p:nvPr>
+        </p:nvSpPr>
+        <p:spPr>
+          <a:xfrm>
+            <a:off x="0" y="452718"/>
+            <a:ext cx="11548871" cy="1400530"/>
+          </a:xfrm>
+        </p:spPr>
+        <p:txBody>
+          <a:bodyPr/>
+          <a:lstStyle/>
+          <a:p>
+            <a:r>
+              <a:rPr lang="pt-BR" b="1"/>
+              <a:t>Demonstracija High availability sa read replicas i dedicated Compactor čvorom</a:t>
+            </a:r>
+            <a:endParaRPr lang="sr-Latn-RS" b="1" dirty="0"/>
+          </a:p>
+        </p:txBody>
+      </p:sp>
+      <p:pic>
+        <p:nvPicPr>
+          <p:cNvPr id="6" name="Content Placeholder 5">
+            <a:extLst>
+              <a:ext uri="{FF2B5EF4-FFF2-40B4-BE49-F238E27FC236}">
+                <a16:creationId xmlns:a16="http://schemas.microsoft.com/office/drawing/2014/main" id="{E5ED53D4-310A-8A36-29E2-149725FCF5DF}"/>
+              </a:ext>
+            </a:extLst>
+          </p:cNvPr>
+          <p:cNvPicPr>
+            <a:picLocks noGrp="1" noChangeAspect="1"/>
+          </p:cNvPicPr>
+          <p:nvPr>
+            <p:ph idx="1"/>
+          </p:nvPr>
+        </p:nvPicPr>
+        <p:blipFill>
+          <a:blip r:embed="rId2"/>
+          <a:stretch>
+            <a:fillRect/>
+          </a:stretch>
+        </p:blipFill>
+        <p:spPr>
+          <a:xfrm>
+            <a:off x="2193425" y="1853248"/>
+            <a:ext cx="6544675" cy="5004752"/>
+          </a:xfrm>
+          <a:prstGeom prst="rect">
+            <a:avLst/>
+          </a:prstGeom>
+        </p:spPr>
+      </p:pic>
+    </p:spTree>
+    <p:extLst>
+      <p:ext uri="{BB962C8B-B14F-4D97-AF65-F5344CB8AC3E}">
+        <p14:creationId xmlns:p14="http://schemas.microsoft.com/office/powerpoint/2010/main" val="4068706820"/>
+      </p:ext>
+    </p:extLst>
+  </p:cSld>
+  <p:clrMapOvr>
+    <a:masterClrMapping/>
+  </p:clrMapOvr>
+</p:sld>
+</file>
+
+<file path=ppt/slides/slide21.xml><?xml version="1.0" encoding="utf-8"?>
+<p:sld xmlns:a="http://schemas.openxmlformats.org/drawingml/2006/main" xmlns:r="http://schemas.openxmlformats.org/officeDocument/2006/relationships" xmlns:p="http://schemas.openxmlformats.org/presentationml/2006/main">
+  <p:cSld>
+    <p:spTree>
+      <p:nvGrpSpPr>
+        <p:cNvPr id="1" name=""/>
+        <p:cNvGrpSpPr/>
+        <p:nvPr/>
+      </p:nvGrpSpPr>
+      <p:grpSpPr>
+        <a:xfrm>
+          <a:off x="0" y="0"/>
+          <a:ext cx="0" cy="0"/>
+          <a:chOff x="0" y="0"/>
+          <a:chExt cx="0" cy="0"/>
+        </a:xfrm>
+      </p:grpSpPr>
+      <p:sp>
+        <p:nvSpPr>
+          <p:cNvPr id="2" name="Title 1">
+            <a:extLst>
+              <a:ext uri="{FF2B5EF4-FFF2-40B4-BE49-F238E27FC236}">
                 <a16:creationId xmlns:a16="http://schemas.microsoft.com/office/drawing/2014/main" id="{E0144BA2-013F-C4F4-865F-E16C27B07017}"/>
               </a:ext>
             </a:extLst>
@@ -8775,7 +8872,7 @@
 </p:sld>
 </file>
 
-<file path=ppt/slides/slide21.xml><?xml version="1.0" encoding="utf-8"?>
+<file path=ppt/slides/slide22.xml><?xml version="1.0" encoding="utf-8"?>
 <p:sld xmlns:a="http://schemas.openxmlformats.org/drawingml/2006/main" xmlns:r="http://schemas.openxmlformats.org/officeDocument/2006/relationships" xmlns:p="http://schemas.openxmlformats.org/presentationml/2006/main">
   <p:cSld>
     <p:spTree>
